--- a/aulas/t/SOP-T0-1APR.pptx
+++ b/aulas/t/SOP-T0-1APR.pptx
@@ -18,8 +18,8 @@
     <p:sldId id="399" r:id="rId6"/>
     <p:sldId id="392" r:id="rId7"/>
     <p:sldId id="380" r:id="rId8"/>
-    <p:sldId id="382" r:id="rId9"/>
-    <p:sldId id="396" r:id="rId10"/>
+    <p:sldId id="396" r:id="rId9"/>
+    <p:sldId id="400" r:id="rId10"/>
     <p:sldId id="383" r:id="rId11"/>
     <p:sldId id="384" r:id="rId12"/>
     <p:sldId id="386" r:id="rId13"/>
@@ -201,6 +201,58 @@
 </p:presentation>
 </file>
 
+<file path=ppt/revisionInfo.xml><?xml version="1.0" encoding="utf-8"?>
+<p1510:revInfo xmlns:a="http://schemas.openxmlformats.org/drawingml/2006/main" xmlns:r="http://schemas.openxmlformats.org/officeDocument/2006/relationships" xmlns:p1510="http://schemas.microsoft.com/office/powerpoint/2015/10/main">
+  <p1510:revLst>
+    <p1510:client id="{219E20C9-8114-43B6-B8F7-E6723E600848}" v="1" dt="2022-09-21T13:49:47.444"/>
+  </p1510:revLst>
+</p1510:revInfo>
+</file>
+
+<file path=ppt/changesInfos/changesInfo1.xml><?xml version="1.0" encoding="utf-8"?>
+<pc:chgInfo xmlns:a="http://schemas.openxmlformats.org/drawingml/2006/main" xmlns:r="http://schemas.openxmlformats.org/officeDocument/2006/relationships" xmlns:ac="http://schemas.microsoft.com/office/drawing/2013/main/command" xmlns:pc="http://schemas.microsoft.com/office/powerpoint/2013/main/command">
+  <pc:docChgLst>
+    <pc:chgData name="Francisco de Sousa Pereira" userId="8cea385e-7f80-4cc2-b2bc-f487e311c946" providerId="ADAL" clId="{219E20C9-8114-43B6-B8F7-E6723E600848}"/>
+    <pc:docChg chg="modSld">
+      <pc:chgData name="Francisco de Sousa Pereira" userId="8cea385e-7f80-4cc2-b2bc-f487e311c946" providerId="ADAL" clId="{219E20C9-8114-43B6-B8F7-E6723E600848}" dt="2022-09-21T13:49:47.444" v="1" actId="20577"/>
+      <pc:docMkLst>
+        <pc:docMk/>
+      </pc:docMkLst>
+      <pc:sldChg chg="modSp mod">
+        <pc:chgData name="Francisco de Sousa Pereira" userId="8cea385e-7f80-4cc2-b2bc-f487e311c946" providerId="ADAL" clId="{219E20C9-8114-43B6-B8F7-E6723E600848}" dt="2022-09-21T10:13:04.345" v="0" actId="20577"/>
+        <pc:sldMkLst>
+          <pc:docMk/>
+          <pc:sldMk cId="0" sldId="256"/>
+        </pc:sldMkLst>
+        <pc:spChg chg="mod">
+          <ac:chgData name="Francisco de Sousa Pereira" userId="8cea385e-7f80-4cc2-b2bc-f487e311c946" providerId="ADAL" clId="{219E20C9-8114-43B6-B8F7-E6723E600848}" dt="2022-09-21T10:13:04.345" v="0" actId="20577"/>
+          <ac:spMkLst>
+            <pc:docMk/>
+            <pc:sldMk cId="0" sldId="256"/>
+            <ac:spMk id="2050" creationId="{00000000-0000-0000-0000-000000000000}"/>
+          </ac:spMkLst>
+        </pc:spChg>
+      </pc:sldChg>
+      <pc:sldChg chg="modSp">
+        <pc:chgData name="Francisco de Sousa Pereira" userId="8cea385e-7f80-4cc2-b2bc-f487e311c946" providerId="ADAL" clId="{219E20C9-8114-43B6-B8F7-E6723E600848}" dt="2022-09-21T13:49:47.444" v="1" actId="20577"/>
+        <pc:sldMkLst>
+          <pc:docMk/>
+          <pc:sldMk cId="615824234" sldId="396"/>
+        </pc:sldMkLst>
+        <pc:spChg chg="mod">
+          <ac:chgData name="Francisco de Sousa Pereira" userId="8cea385e-7f80-4cc2-b2bc-f487e311c946" providerId="ADAL" clId="{219E20C9-8114-43B6-B8F7-E6723E600848}" dt="2022-09-21T13:49:47.444" v="1" actId="20577"/>
+          <ac:spMkLst>
+            <pc:docMk/>
+            <pc:sldMk cId="615824234" sldId="396"/>
+            <ac:spMk id="3" creationId="{00000000-0000-0000-0000-000000000000}"/>
+          </ac:spMkLst>
+        </pc:spChg>
+      </pc:sldChg>
+    </pc:docChg>
+  </pc:docChgLst>
+</pc:chgInfo>
+</file>
+
 <file path=ppt/handoutMasters/handoutMaster1.xml><?xml version="1.0" encoding="utf-8"?>
 <p:handoutMaster xmlns:a="http://schemas.openxmlformats.org/drawingml/2006/main" xmlns:r="http://schemas.openxmlformats.org/officeDocument/2006/relationships" xmlns:p="http://schemas.openxmlformats.org/presentationml/2006/main">
   <p:cSld>
@@ -2454,6 +2506,11 @@
         </p:txBody>
       </p:sp>
     </p:spTree>
+    <p:extLst>
+      <p:ext uri="{BB962C8B-B14F-4D97-AF65-F5344CB8AC3E}">
+        <p14:creationId xmlns:p14="http://schemas.microsoft.com/office/powerpoint/2010/main" val="3656216370"/>
+      </p:ext>
+    </p:extLst>
   </p:cSld>
   <p:clrMapOvr>
     <a:masterClrMapping/>
@@ -2544,7 +2601,7 @@
     </p:spTree>
     <p:extLst>
       <p:ext uri="{BB962C8B-B14F-4D97-AF65-F5344CB8AC3E}">
-        <p14:creationId xmlns:p14="http://schemas.microsoft.com/office/powerpoint/2010/main" val="3656216370"/>
+        <p14:creationId xmlns:p14="http://schemas.microsoft.com/office/powerpoint/2010/main" val="2060849269"/>
       </p:ext>
     </p:extLst>
   </p:cSld>
@@ -4994,7 +5051,7 @@
         <p:spPr bwMode="auto">
           <a:xfrm>
             <a:off x="1494235" y="1148747"/>
-            <a:ext cx="6210300" cy="1903291"/>
+            <a:ext cx="6210300" cy="2241845"/>
           </a:xfrm>
           <a:prstGeom prst="rect">
             <a:avLst/>
@@ -5082,6 +5139,20 @@
               </a:rPr>
               <a:t>2022-23</a:t>
             </a:r>
+            <a:br>
+              <a:rPr lang="pt-PT" sz="2200" b="1" dirty="0">
+                <a:solidFill>
+                  <a:srgbClr val="0033CC"/>
+                </a:solidFill>
+                <a:latin typeface="Tahoma" pitchFamily="34" charset="0"/>
+              </a:rPr>
+            </a:br>
+            <a:endParaRPr lang="pt-PT" sz="2200" b="1" dirty="0">
+              <a:solidFill>
+                <a:srgbClr val="0033CC"/>
+              </a:solidFill>
+              <a:latin typeface="Tahoma" pitchFamily="34" charset="0"/>
+            </a:endParaRPr>
           </a:p>
         </p:txBody>
       </p:sp>
@@ -5519,7 +5590,7 @@
           <a:p>
             <a:pPr algn="r"/>
             <a:r>
-              <a:rPr lang="pt-PT" sz="900" b="1" i="1" dirty="0">
+              <a:rPr lang="pt-PT" sz="800" b="1" i="1" dirty="0">
                 <a:solidFill>
                   <a:srgbClr val="FF0000"/>
                 </a:solidFill>
@@ -5915,7 +5986,7 @@
           <a:p>
             <a:pPr algn="r"/>
             <a:r>
-              <a:rPr lang="pt-PT" sz="900" b="1" i="1" dirty="0">
+              <a:rPr lang="pt-PT" sz="800" b="1" i="1" dirty="0">
                 <a:solidFill>
                   <a:srgbClr val="FF0000"/>
                 </a:solidFill>
@@ -6300,7 +6371,7 @@
           <a:p>
             <a:pPr algn="r"/>
             <a:r>
-              <a:rPr lang="pt-PT" sz="900" b="1" i="1" dirty="0">
+              <a:rPr lang="pt-PT" sz="800" b="1" i="1" dirty="0">
                 <a:solidFill>
                   <a:srgbClr val="FF0000"/>
                 </a:solidFill>
@@ -6323,7 +6394,7 @@
                 </a:solidFill>
                 <a:latin typeface="Arial" charset="0"/>
               </a:rPr>
-              <a:t>Programa Previsto</a:t>
+              <a:t>Aulas e Programa Previsto</a:t>
             </a:r>
             <a:endParaRPr lang="pt-PT" sz="1100" b="1" i="1" dirty="0">
               <a:solidFill>
@@ -6663,7 +6734,7 @@
           <a:p>
             <a:pPr algn="r"/>
             <a:r>
-              <a:rPr lang="pt-PT" sz="900" b="1" i="1" dirty="0">
+              <a:rPr lang="pt-PT" sz="800" b="1" i="1" dirty="0">
                 <a:solidFill>
                   <a:srgbClr val="FF0000"/>
                 </a:solidFill>
@@ -6686,7 +6757,7 @@
                 </a:solidFill>
                 <a:latin typeface="Arial" charset="0"/>
               </a:rPr>
-              <a:t>Programa Previsto</a:t>
+              <a:t>Aulas e Programa Previsto</a:t>
             </a:r>
             <a:endParaRPr lang="pt-PT" sz="1200" b="1" i="1" dirty="0">
               <a:solidFill>
@@ -6750,7 +6821,7 @@
               </a:tabLst>
             </a:pPr>
             <a:r>
-              <a:rPr lang="pt-PT" sz="1400" i="0" dirty="0">
+              <a:rPr lang="pt-PT" sz="1400" i="0" strike="sngStrike" dirty="0">
                 <a:solidFill>
                   <a:srgbClr val="0033CC"/>
                 </a:solidFill>
@@ -6758,15 +6829,15 @@
               <a:t>SOP-T2-THR</a:t>
             </a:r>
             <a:r>
-              <a:rPr lang="pt-PT" sz="1400" b="0" i="0" dirty="0"/>
+              <a:rPr lang="pt-PT" sz="1400" b="0" i="0" strike="sngStrike" dirty="0"/>
               <a:t>	- </a:t>
             </a:r>
             <a:r>
-              <a:rPr lang="pt-PT" sz="1400" b="0" dirty="0" err="1"/>
+              <a:rPr lang="pt-PT" sz="1400" b="0" strike="sngStrike" dirty="0" err="1"/>
               <a:t>Threads</a:t>
             </a:r>
             <a:r>
-              <a:rPr lang="pt-PT" sz="1400" b="0" i="0" dirty="0"/>
+              <a:rPr lang="pt-PT" sz="1400" b="0" i="0" strike="sngStrike" dirty="0"/>
               <a:t>;</a:t>
             </a:r>
           </a:p>
@@ -6954,7 +7025,7 @@
               </a:tabLst>
             </a:pPr>
             <a:r>
-              <a:rPr lang="pt-PT" sz="1400" i="0" dirty="0">
+              <a:rPr lang="pt-PT" sz="1400" i="0" strike="sngStrike" dirty="0">
                 <a:solidFill>
                   <a:srgbClr val="0033CC"/>
                 </a:solidFill>
@@ -6962,16 +7033,8 @@
               <a:t>SOP-T2-SMC</a:t>
             </a:r>
             <a:r>
-              <a:rPr lang="pt-PT" sz="1400" b="0" i="0" dirty="0"/>
-              <a:t>	- </a:t>
-            </a:r>
-            <a:r>
               <a:rPr lang="pt-PT" sz="1400" b="0" i="0" strike="sngStrike" dirty="0"/>
-              <a:t>Sistemas para microcontroladores</a:t>
-            </a:r>
-            <a:r>
-              <a:rPr lang="pt-PT" sz="1400" b="0" i="0" dirty="0"/>
-              <a:t>;</a:t>
+              <a:t>	- Sistemas para microcontroladores;</a:t>
             </a:r>
           </a:p>
           <a:p>
@@ -7330,7 +7393,7 @@
           <a:p>
             <a:pPr algn="r"/>
             <a:r>
-              <a:rPr lang="pt-PT" sz="900" b="1" i="1" dirty="0">
+              <a:rPr lang="pt-PT" sz="800" b="1" i="1" dirty="0">
                 <a:solidFill>
                   <a:srgbClr val="FF0000"/>
                 </a:solidFill>
@@ -7353,7 +7416,7 @@
                 </a:solidFill>
                 <a:latin typeface="Arial" charset="0"/>
               </a:rPr>
-              <a:t>Programa Previsto</a:t>
+              <a:t>Aulas e Programa Previsto</a:t>
             </a:r>
             <a:endParaRPr lang="pt-PT" sz="1800" b="1" i="1" dirty="0">
               <a:solidFill>
@@ -7693,14 +7756,22 @@
           <a:p>
             <a:pPr algn="r"/>
             <a:r>
-              <a:rPr lang="pt-PT" sz="900" b="1" i="1" dirty="0">
+              <a:rPr lang="pt-PT" sz="800" b="1" i="1" dirty="0">
                 <a:solidFill>
                   <a:srgbClr val="FF0000"/>
                 </a:solidFill>
                 <a:latin typeface="Arial" charset="0"/>
               </a:rPr>
-              <a:t>SOP-T0-1APR </a:t>
-            </a:r>
+              <a:t>SOP-T0-1APR</a:t>
+            </a:r>
+            <a:br>
+              <a:rPr lang="pt-PT" sz="800" b="1" i="1" dirty="0">
+                <a:solidFill>
+                  <a:srgbClr val="FF0000"/>
+                </a:solidFill>
+                <a:latin typeface="Arial" charset="0"/>
+              </a:rPr>
+            </a:br>
             <a:r>
               <a:rPr lang="pt-PT" sz="1800" b="1" i="1" cap="small" dirty="0">
                 <a:solidFill>
@@ -7708,7 +7779,7 @@
                 </a:solidFill>
                 <a:latin typeface="Arial" charset="0"/>
               </a:rPr>
-              <a:t>Programa Previsto</a:t>
+              <a:t>Aulas e Programa Previsto</a:t>
             </a:r>
           </a:p>
         </p:txBody>
@@ -8041,7 +8112,7 @@
           <a:p>
             <a:pPr algn="r"/>
             <a:r>
-              <a:rPr lang="pt-PT" sz="900" b="1" i="1" dirty="0">
+              <a:rPr lang="pt-PT" sz="800" b="1" i="1" dirty="0">
                 <a:solidFill>
                   <a:srgbClr val="FF0000"/>
                 </a:solidFill>
@@ -8162,7 +8233,7 @@
             </a:r>
             <a:r>
               <a:rPr lang="pt-PT" sz="1600" b="0" i="0" dirty="0"/>
-              <a:t> e Ubuntu (outro);</a:t>
+              <a:t> e Ubuntu (ou outro);</a:t>
             </a:r>
           </a:p>
           <a:p>
@@ -8207,7 +8278,30 @@
                   <a:srgbClr val="0033CC"/>
                 </a:solidFill>
               </a:rPr>
-              <a:t>Moodle (http://moodle.utad.pt):</a:t>
+              <a:t>Moodle (</a:t>
+            </a:r>
+            <a:r>
+              <a:rPr lang="pt-PT" sz="2100" i="0" dirty="0">
+                <a:solidFill>
+                  <a:schemeClr val="accent2"/>
+                </a:solidFill>
+                <a:hlinkClick r:id="rId3">
+                  <a:extLst>
+                    <a:ext uri="{A12FA001-AC4F-418D-AE19-62706E023703}">
+                      <ahyp:hlinkClr xmlns:ahyp="http://schemas.microsoft.com/office/drawing/2018/hyperlinkcolor" val="tx"/>
+                    </a:ext>
+                  </a:extLst>
+                </a:hlinkClick>
+              </a:rPr>
+              <a:t>http://moodle.utad.pt/</a:t>
+            </a:r>
+            <a:r>
+              <a:rPr lang="pt-PT" sz="2100" i="0" dirty="0">
+                <a:solidFill>
+                  <a:srgbClr val="0033CC"/>
+                </a:solidFill>
+              </a:rPr>
+              <a:t>):</a:t>
             </a:r>
           </a:p>
           <a:p>
@@ -8235,7 +8329,30 @@
                   <a:srgbClr val="0033CC"/>
                 </a:solidFill>
               </a:rPr>
-              <a:t>GIT (https://github.com/fsp864/UTAD-SOP);</a:t>
+              <a:t>GIT (</a:t>
+            </a:r>
+            <a:r>
+              <a:rPr lang="pt-PT" sz="2100" i="0" dirty="0">
+                <a:solidFill>
+                  <a:schemeClr val="accent2"/>
+                </a:solidFill>
+                <a:hlinkClick r:id="rId4">
+                  <a:extLst>
+                    <a:ext uri="{A12FA001-AC4F-418D-AE19-62706E023703}">
+                      <ahyp:hlinkClr xmlns:ahyp="http://schemas.microsoft.com/office/drawing/2018/hyperlinkcolor" val="tx"/>
+                    </a:ext>
+                  </a:extLst>
+                </a:hlinkClick>
+              </a:rPr>
+              <a:t>https://github.com/fsp864/UTAD-SOP</a:t>
+            </a:r>
+            <a:r>
+              <a:rPr lang="pt-PT" sz="2100" i="0" dirty="0">
+                <a:solidFill>
+                  <a:srgbClr val="0033CC"/>
+                </a:solidFill>
+              </a:rPr>
+              <a:t>);</a:t>
             </a:r>
           </a:p>
           <a:p>
@@ -8860,7 +8977,7 @@
                 </a:solidFill>
                 <a:latin typeface="Arial" charset="0"/>
               </a:rPr>
-              <a:t>Moodle e Questionário de Teste</a:t>
+              <a:t>Moodle e Questionário para testar</a:t>
             </a:r>
             <a:endParaRPr lang="pt-PT" sz="2000" b="1" i="1" cap="small" dirty="0">
               <a:solidFill>
@@ -8882,7 +8999,7 @@
         <p:spPr bwMode="auto">
           <a:xfrm>
             <a:off x="540000" y="900000"/>
-            <a:ext cx="8233871" cy="3636433"/>
+            <a:ext cx="8233871" cy="3669327"/>
           </a:xfrm>
           <a:prstGeom prst="rect">
             <a:avLst/>
@@ -8936,9 +9053,18 @@
               <a:buChar char="Ø"/>
             </a:pPr>
             <a:r>
+              <a:rPr lang="pt-PT" sz="3600" b="0" i="0" dirty="0"/>
+              <a:t>UC: </a:t>
+            </a:r>
+            <a:r>
               <a:rPr lang="pt-PT" sz="3900" b="0" i="0" dirty="0"/>
-              <a:t>UC: Sistemas Operativos</a:t>
-            </a:r>
+              <a:t>Sistemas Operativos </a:t>
+            </a:r>
+            <a:r>
+              <a:rPr lang="pt-PT" sz="2000" b="0" i="0" dirty="0"/>
+              <a:t>(ano 2022/23)</a:t>
+            </a:r>
+            <a:endParaRPr lang="pt-PT" sz="3900" b="0" i="0" dirty="0"/>
           </a:p>
           <a:p>
             <a:pPr marL="632838" lvl="1" indent="-236093" algn="l" defTabSz="704085">
@@ -8950,7 +9076,7 @@
             </a:pPr>
             <a:r>
               <a:rPr lang="pt-PT" sz="3900" b="0" i="0" dirty="0"/>
-              <a:t>acesso: so2223 </a:t>
+              <a:t>Acesso: so2223 </a:t>
             </a:r>
             <a:r>
               <a:rPr lang="pt-PT" sz="2000" b="0" i="0" dirty="0"/>
@@ -8971,7 +9097,7 @@
             </a:r>
             <a:r>
               <a:rPr lang="pt-PT" sz="2000" i="0" dirty="0"/>
-              <a:t>17h de quinta 22 de setembro </a:t>
+              <a:t>das 17h de quinta 22 de setembro </a:t>
             </a:r>
             <a:r>
               <a:rPr lang="pt-PT" sz="2000" b="0" i="0" dirty="0"/>
@@ -8979,15 +9105,15 @@
             </a:r>
             <a:r>
               <a:rPr lang="pt-PT" sz="2000" i="0" dirty="0"/>
-              <a:t>às 23h59 de quinta 29 de setembro</a:t>
+              <a:t>às 23h59 de quarta 28 de setembro</a:t>
             </a:r>
             <a:r>
               <a:rPr lang="pt-PT" sz="2000" b="0" i="0" dirty="0"/>
-              <a:t>, sobre a avaliação:</a:t>
-            </a:r>
-          </a:p>
-          <a:p>
-            <a:pPr marL="595503" lvl="1" indent="-238887" algn="l" defTabSz="704085">
+              <a:t>, sobre a avaliação e normas:</a:t>
+            </a:r>
+          </a:p>
+          <a:p>
+            <a:pPr marL="238887" indent="-238887" algn="l" defTabSz="704085">
               <a:lnSpc>
                 <a:spcPct val="120000"/>
               </a:lnSpc>
@@ -8995,19 +9121,19 @@
               <a:buChar char="Ø"/>
             </a:pPr>
             <a:r>
-              <a:rPr lang="pt-PT" sz="1800" i="0" dirty="0"/>
+              <a:rPr lang="pt-PT" sz="2000" i="0" dirty="0"/>
               <a:t>Podem fazer várias tentativas</a:t>
             </a:r>
             <a:r>
-              <a:rPr lang="pt-PT" sz="1800" b="0" i="0" dirty="0"/>
+              <a:rPr lang="pt-PT" sz="2000" b="0" i="0" dirty="0"/>
               <a:t> e </a:t>
             </a:r>
             <a:r>
-              <a:rPr lang="pt-PT" sz="1800" i="0" dirty="0"/>
+              <a:rPr lang="pt-PT" sz="2000" i="0" dirty="0"/>
               <a:t>não conta para a nota final</a:t>
             </a:r>
             <a:r>
-              <a:rPr lang="pt-PT" sz="1800" b="0" i="0" dirty="0"/>
+              <a:rPr lang="pt-PT" sz="2000" b="0" i="0" dirty="0"/>
               <a:t>.</a:t>
             </a:r>
           </a:p>
@@ -9568,7 +9694,7 @@
           <a:p>
             <a:pPr algn="r"/>
             <a:r>
-              <a:rPr lang="pt-PT" sz="1000" b="1" i="1" dirty="0">
+              <a:rPr lang="pt-PT" sz="800" b="1" i="1" dirty="0">
                 <a:solidFill>
                   <a:srgbClr val="FF0000"/>
                 </a:solidFill>
@@ -9925,7 +10051,7 @@
           <a:p>
             <a:pPr algn="r"/>
             <a:r>
-              <a:rPr lang="pt-PT" sz="900" b="1" i="1" dirty="0">
+              <a:rPr lang="pt-PT" sz="800" b="1" i="1" dirty="0">
                 <a:solidFill>
                   <a:srgbClr val="FF0000"/>
                 </a:solidFill>
@@ -10238,7 +10364,7 @@
           <a:p>
             <a:pPr algn="r"/>
             <a:r>
-              <a:rPr lang="pt-PT" sz="900" b="1" i="1" dirty="0">
+              <a:rPr lang="pt-PT" sz="800" b="1" i="1" dirty="0">
                 <a:solidFill>
                   <a:srgbClr val="FF0000"/>
                 </a:solidFill>
@@ -10865,7 +10991,7 @@
           <a:p>
             <a:pPr algn="r"/>
             <a:r>
-              <a:rPr lang="pt-PT" sz="900" b="1" i="1" dirty="0">
+              <a:rPr lang="pt-PT" sz="800" b="1" i="1" dirty="0">
                 <a:solidFill>
                   <a:srgbClr val="FF0000"/>
                 </a:solidFill>
@@ -11260,7 +11386,7 @@
           <a:p>
             <a:pPr algn="r"/>
             <a:r>
-              <a:rPr lang="pt-PT" sz="900" b="1" i="1" dirty="0">
+              <a:rPr lang="pt-PT" sz="800" b="1" i="1" dirty="0">
                 <a:solidFill>
                   <a:srgbClr val="FF0000"/>
                 </a:solidFill>
@@ -11670,7 +11796,7 @@
           <a:p>
             <a:pPr algn="r"/>
             <a:r>
-              <a:rPr lang="pt-PT" sz="900" b="1" i="1" dirty="0">
+              <a:rPr lang="pt-PT" sz="800" b="1" i="1" dirty="0">
                 <a:solidFill>
                   <a:srgbClr val="FF0000"/>
                 </a:solidFill>
@@ -12889,7 +13015,7 @@
           <a:p>
             <a:pPr algn="r"/>
             <a:r>
-              <a:rPr lang="pt-PT" sz="900" b="1" i="1" dirty="0">
+              <a:rPr lang="pt-PT" sz="800" b="1" i="1" dirty="0">
                 <a:solidFill>
                   <a:srgbClr val="FF0000"/>
                 </a:solidFill>
@@ -12912,7 +13038,7 @@
                 </a:solidFill>
                 <a:latin typeface="Arial" charset="0"/>
               </a:rPr>
-              <a:t>Método de Avaliação</a:t>
+              <a:t>Avaliação em Modo Projeto</a:t>
             </a:r>
             <a:endParaRPr lang="pt-PT" sz="1400" b="1" i="1" dirty="0">
               <a:solidFill>
@@ -12934,7 +13060,7 @@
         <p:spPr bwMode="auto">
           <a:xfrm>
             <a:off x="540000" y="900000"/>
-            <a:ext cx="8233871" cy="3806544"/>
+            <a:ext cx="8233871" cy="3658811"/>
           </a:xfrm>
           <a:prstGeom prst="rect">
             <a:avLst/>
@@ -12962,14 +13088,8 @@
               <a:buChar char="Ø"/>
             </a:pPr>
             <a:r>
-              <a:rPr lang="pt-PT" sz="2000" b="0" i="0" dirty="0">
-                <a:solidFill>
-                  <a:schemeClr val="bg1">
-                    <a:lumMod val="75000"/>
-                  </a:schemeClr>
-                </a:solidFill>
-              </a:rPr>
-              <a:t>Aulas Teóricas (QT):</a:t>
+              <a:rPr lang="pt-PT" sz="2000" b="0" i="0" dirty="0"/>
+              <a:t>Formato e regras das provas escritas:</a:t>
             </a:r>
           </a:p>
           <a:p>
@@ -12981,53 +13101,8 @@
               <a:buChar char="•"/>
             </a:pPr>
             <a:r>
-              <a:rPr lang="pt-PT" sz="1600" b="0" i="0" dirty="0">
-                <a:solidFill>
-                  <a:schemeClr val="bg1">
-                    <a:lumMod val="75000"/>
-                  </a:schemeClr>
-                </a:solidFill>
-              </a:rPr>
-              <a:t>10 questionários de 2 a 5 questões em 10 aulas, de resposta individual via sistema online, com a duração de 5 a 15 minutos. Apenas contam as </a:t>
-            </a:r>
-            <a:r>
-              <a:rPr lang="pt-PT" sz="1600" i="0" dirty="0">
-                <a:solidFill>
-                  <a:schemeClr val="bg1">
-                    <a:lumMod val="75000"/>
-                  </a:schemeClr>
-                </a:solidFill>
-              </a:rPr>
-              <a:t>7 melhores</a:t>
-            </a:r>
-            <a:r>
-              <a:rPr lang="pt-PT" sz="1600" b="0" i="0" dirty="0">
-                <a:solidFill>
-                  <a:schemeClr val="bg1">
-                    <a:lumMod val="75000"/>
-                  </a:schemeClr>
-                </a:solidFill>
-              </a:rPr>
-              <a:t> notas. As questões não serão anunciados antes da aula onde se realizarão.</a:t>
-            </a:r>
-          </a:p>
-          <a:p>
-            <a:pPr marL="238887" indent="-238887" algn="l" defTabSz="704085">
-              <a:lnSpc>
-                <a:spcPct val="120000"/>
-              </a:lnSpc>
-              <a:buFont typeface="Wingdings" pitchFamily="2" charset="2"/>
-              <a:buChar char="Ø"/>
-            </a:pPr>
-            <a:r>
-              <a:rPr lang="pt-PT" sz="2000" b="0" i="0" dirty="0">
-                <a:solidFill>
-                  <a:schemeClr val="bg1">
-                    <a:lumMod val="75000"/>
-                  </a:schemeClr>
-                </a:solidFill>
-              </a:rPr>
-              <a:t>Aulas Prático Laboratoriais (QP):</a:t>
+              <a:rPr lang="pt-PT" sz="1600" b="0" i="0" dirty="0"/>
+              <a:t>É permitida uma folha A4 manuscrita como elemento de consulta individual;</a:t>
             </a:r>
           </a:p>
           <a:p>
@@ -13039,61 +13114,28 @@
               <a:buChar char="•"/>
             </a:pPr>
             <a:r>
+              <a:rPr lang="pt-PT" sz="1600" b="0" i="0" dirty="0"/>
+              <a:t>Provas realizadas no Moodle da UTAD (</a:t>
+            </a:r>
+            <a:r>
               <a:rPr lang="pt-PT" sz="1600" b="0" i="0" dirty="0">
                 <a:solidFill>
-                  <a:schemeClr val="bg1">
-                    <a:lumMod val="75000"/>
-                  </a:schemeClr>
+                  <a:schemeClr val="accent2"/>
                 </a:solidFill>
+                <a:hlinkClick r:id="rId3">
+                  <a:extLst>
+                    <a:ext uri="{A12FA001-AC4F-418D-AE19-62706E023703}">
+                      <ahyp:hlinkClr xmlns:ahyp="http://schemas.microsoft.com/office/drawing/2018/hyperlinkcolor" val="tx"/>
+                    </a:ext>
+                  </a:extLst>
+                </a:hlinkClick>
               </a:rPr>
-              <a:t>10 questionários de 3 perguntas em 10 aulas prático laboratoriais, de resposta individual com a duração de máxima de 10 minutos. Contam às </a:t>
-            </a:r>
-            <a:r>
-              <a:rPr lang="pt-PT" sz="1600" i="0" dirty="0">
-                <a:solidFill>
-                  <a:schemeClr val="bg1">
-                    <a:lumMod val="75000"/>
-                  </a:schemeClr>
-                </a:solidFill>
-              </a:rPr>
-              <a:t>7 melhores</a:t>
-            </a:r>
-            <a:r>
-              <a:rPr lang="pt-PT" sz="1600" b="0" i="0" dirty="0">
-                <a:solidFill>
-                  <a:schemeClr val="bg1">
-                    <a:lumMod val="75000"/>
-                  </a:schemeClr>
-                </a:solidFill>
-              </a:rPr>
-              <a:t> notas.</a:t>
-            </a:r>
-          </a:p>
-          <a:p>
-            <a:pPr marL="238887" indent="-238887" algn="l" defTabSz="704085">
-              <a:lnSpc>
-                <a:spcPct val="120000"/>
-              </a:lnSpc>
-              <a:buFont typeface="Wingdings" pitchFamily="2" charset="2"/>
-              <a:buChar char="Ø"/>
-            </a:pPr>
-            <a:r>
-              <a:rPr lang="pt-PT" sz="2000" b="0" i="0" dirty="0">
-                <a:solidFill>
-                  <a:schemeClr val="bg1">
-                    <a:lumMod val="75000"/>
-                  </a:schemeClr>
-                </a:solidFill>
-              </a:rPr>
-              <a:t>Comum:</a:t>
-            </a:r>
-            <a:endParaRPr lang="pt-PT" sz="1400" b="0" i="0" dirty="0">
-              <a:solidFill>
-                <a:schemeClr val="bg1">
-                  <a:lumMod val="75000"/>
-                </a:schemeClr>
-              </a:solidFill>
-            </a:endParaRPr>
+              <a:t>http://moodle.utad.pt/</a:t>
+            </a:r>
+            <a:r>
+              <a:rPr lang="pt-PT" sz="1600" b="0" i="0" dirty="0"/>
+              <a:t>), com 2 ou sessões;</a:t>
+            </a:r>
           </a:p>
           <a:p>
             <a:pPr marL="403732" lvl="1" indent="-251459" algn="just" defTabSz="704085">
@@ -13104,14 +13146,8 @@
               <a:buChar char="•"/>
             </a:pPr>
             <a:r>
-              <a:rPr lang="pt-PT" sz="1600" b="0" i="0" dirty="0">
-                <a:solidFill>
-                  <a:schemeClr val="bg1">
-                    <a:lumMod val="75000"/>
-                  </a:schemeClr>
-                </a:solidFill>
-              </a:rPr>
-              <a:t>Os tópicos pode ser da própria aula ou da aula imediatamente anterior. Os questionários pode ser apresentado no início ou fim da aula;</a:t>
+              <a:rPr lang="pt-PT" sz="1600" b="0" i="0" dirty="0"/>
+              <a:t>Duração de 40 minutos, com 5 minutos de tolerância para entra no teste e ter o tempo total;</a:t>
             </a:r>
           </a:p>
           <a:p>
@@ -13123,34 +13159,63 @@
               <a:buChar char="•"/>
             </a:pPr>
             <a:r>
-              <a:rPr lang="pt-PT" sz="1600" b="0" i="0" dirty="0">
-                <a:solidFill>
-                  <a:schemeClr val="bg1">
-                    <a:lumMod val="75000"/>
-                  </a:schemeClr>
-                </a:solidFill>
-              </a:rPr>
-              <a:t>A não realização de um questionários implica a atribuição da nota </a:t>
-            </a:r>
-            <a:r>
-              <a:rPr lang="pt-PT" sz="1600" i="0" dirty="0">
-                <a:solidFill>
-                  <a:schemeClr val="bg1">
-                    <a:lumMod val="75000"/>
-                  </a:schemeClr>
-                </a:solidFill>
-              </a:rPr>
-              <a:t>0</a:t>
-            </a:r>
-            <a:r>
-              <a:rPr lang="pt-PT" sz="1600" b="0" i="0" dirty="0">
-                <a:solidFill>
-                  <a:schemeClr val="bg1">
-                    <a:lumMod val="75000"/>
-                  </a:schemeClr>
-                </a:solidFill>
-              </a:rPr>
-              <a:t> nesse trabalho/questão ou questionário.</a:t>
+              <a:rPr lang="pt-PT" sz="1600" b="0" i="0" dirty="0"/>
+              <a:t>20 questões de respostas múltiplas (5 em cada questão cotadas com 100%, 65%, 35%, 0% </a:t>
+            </a:r>
+            <a:r>
+              <a:rPr lang="pt-PT" sz="1600" b="0" i="0"/>
+              <a:t>e -35</a:t>
+            </a:r>
+            <a:r>
+              <a:rPr lang="pt-PT" sz="1600" b="0" i="0" dirty="0"/>
+              <a:t>%);</a:t>
+            </a:r>
+          </a:p>
+          <a:p>
+            <a:pPr marL="403732" lvl="1" indent="-251459" algn="just" defTabSz="704085">
+              <a:lnSpc>
+                <a:spcPct val="120000"/>
+              </a:lnSpc>
+              <a:buFont typeface="Arial" pitchFamily="34" charset="0"/>
+              <a:buChar char="•"/>
+            </a:pPr>
+            <a:r>
+              <a:rPr lang="pt-PT" sz="1600" b="0" i="0" dirty="0"/>
+              <a:t>Realizadas na rede privada da UTAD (</a:t>
+            </a:r>
+            <a:r>
+              <a:rPr lang="pt-PT" sz="1600" b="0" i="0" dirty="0" err="1"/>
+              <a:t>eduroam</a:t>
+            </a:r>
+            <a:r>
+              <a:rPr lang="pt-PT" sz="1600" b="0" i="0" dirty="0"/>
+              <a:t>);</a:t>
+            </a:r>
+          </a:p>
+          <a:p>
+            <a:pPr marL="403732" lvl="1" indent="-251459" algn="just" defTabSz="704085">
+              <a:lnSpc>
+                <a:spcPct val="120000"/>
+              </a:lnSpc>
+              <a:buFont typeface="Arial" pitchFamily="34" charset="0"/>
+              <a:buChar char="•"/>
+            </a:pPr>
+            <a:r>
+              <a:rPr lang="pt-PT" sz="1600" b="0" i="0" dirty="0"/>
+              <a:t>Caso exista uma falha generalizada na rede ou plataforma Moodle, a prova será adiada;</a:t>
+            </a:r>
+          </a:p>
+          <a:p>
+            <a:pPr marL="403732" lvl="1" indent="-251459" algn="just" defTabSz="704085">
+              <a:lnSpc>
+                <a:spcPct val="120000"/>
+              </a:lnSpc>
+              <a:buFont typeface="Arial" pitchFamily="34" charset="0"/>
+              <a:buChar char="•"/>
+            </a:pPr>
+            <a:r>
+              <a:rPr lang="pt-PT" sz="1600" b="0" i="0" dirty="0"/>
+              <a:t>Os alunos que não possuam equipamentos adequados para a realização das provas devem contactar os docentes antecipadamente.</a:t>
             </a:r>
           </a:p>
         </p:txBody>
@@ -13158,7 +13223,7 @@
     </p:spTree>
     <p:extLst>
       <p:ext uri="{BB962C8B-B14F-4D97-AF65-F5344CB8AC3E}">
-        <p14:creationId xmlns:p14="http://schemas.microsoft.com/office/powerpoint/2010/main" val="939585152"/>
+        <p14:creationId xmlns:p14="http://schemas.microsoft.com/office/powerpoint/2010/main" val="615824234"/>
       </p:ext>
     </p:extLst>
   </p:cSld>
@@ -13355,7 +13420,7 @@
           <a:p>
             <a:pPr algn="r"/>
             <a:r>
-              <a:rPr lang="pt-PT" sz="900" b="1" i="1" dirty="0">
+              <a:rPr lang="pt-PT" sz="800" b="1" i="1" dirty="0">
                 <a:solidFill>
                   <a:srgbClr val="FF0000"/>
                 </a:solidFill>
@@ -13557,7 +13622,7 @@
     </p:spTree>
     <p:extLst>
       <p:ext uri="{BB962C8B-B14F-4D97-AF65-F5344CB8AC3E}">
-        <p14:creationId xmlns:p14="http://schemas.microsoft.com/office/powerpoint/2010/main" val="615824234"/>
+        <p14:creationId xmlns:p14="http://schemas.microsoft.com/office/powerpoint/2010/main" val="1227982416"/>
       </p:ext>
     </p:extLst>
   </p:cSld>

--- a/aulas/t/SOP-T0-1APR.pptx
+++ b/aulas/t/SOP-T0-1APR.pptx
@@ -5,10 +5,10 @@
     <p:sldMasterId id="2147483648" r:id="rId1"/>
   </p:sldMasterIdLst>
   <p:notesMasterIdLst>
-    <p:notesMasterId r:id="rId21"/>
+    <p:notesMasterId r:id="rId20"/>
   </p:notesMasterIdLst>
   <p:handoutMasterIdLst>
-    <p:handoutMasterId r:id="rId22"/>
+    <p:handoutMasterId r:id="rId21"/>
   </p:handoutMasterIdLst>
   <p:sldIdLst>
     <p:sldId id="256" r:id="rId2"/>
@@ -16,20 +16,19 @@
     <p:sldId id="381" r:id="rId4"/>
     <p:sldId id="398" r:id="rId5"/>
     <p:sldId id="399" r:id="rId6"/>
-    <p:sldId id="392" r:id="rId7"/>
-    <p:sldId id="380" r:id="rId8"/>
-    <p:sldId id="396" r:id="rId9"/>
-    <p:sldId id="400" r:id="rId10"/>
-    <p:sldId id="383" r:id="rId11"/>
-    <p:sldId id="384" r:id="rId12"/>
-    <p:sldId id="386" r:id="rId13"/>
-    <p:sldId id="393" r:id="rId14"/>
-    <p:sldId id="394" r:id="rId15"/>
-    <p:sldId id="385" r:id="rId16"/>
-    <p:sldId id="387" r:id="rId17"/>
-    <p:sldId id="389" r:id="rId18"/>
-    <p:sldId id="390" r:id="rId19"/>
-    <p:sldId id="378" r:id="rId20"/>
+    <p:sldId id="380" r:id="rId7"/>
+    <p:sldId id="396" r:id="rId8"/>
+    <p:sldId id="400" r:id="rId9"/>
+    <p:sldId id="383" r:id="rId10"/>
+    <p:sldId id="384" r:id="rId11"/>
+    <p:sldId id="386" r:id="rId12"/>
+    <p:sldId id="393" r:id="rId13"/>
+    <p:sldId id="394" r:id="rId14"/>
+    <p:sldId id="385" r:id="rId15"/>
+    <p:sldId id="387" r:id="rId16"/>
+    <p:sldId id="389" r:id="rId17"/>
+    <p:sldId id="390" r:id="rId18"/>
+    <p:sldId id="378" r:id="rId19"/>
   </p:sldIdLst>
   <p:sldSz cx="9144000" cy="5715000" type="screen16x10"/>
   <p:notesSz cx="7102475" cy="10233025"/>
@@ -1747,98 +1746,10 @@
           <a:bodyPr/>
           <a:lstStyle/>
           <a:p>
-            <a:fld id="{8E79CF69-099A-4323-ABAD-2A1E82F62D20}" type="slidenum">
+            <a:fld id="{FD2305D1-531D-4CEF-BD3D-05CF1AF8F416}" type="slidenum">
               <a:rPr lang="en-GB"/>
               <a:pPr/>
               <a:t>18</a:t>
-            </a:fld>
-            <a:endParaRPr lang="en-GB" dirty="0"/>
-          </a:p>
-        </p:txBody>
-      </p:sp>
-      <p:sp>
-        <p:nvSpPr>
-          <p:cNvPr id="149506" name="Rectangle 2"/>
-          <p:cNvSpPr>
-            <a:spLocks noGrp="1" noRot="1" noChangeAspect="1" noChangeArrowheads="1" noTextEdit="1"/>
-          </p:cNvSpPr>
-          <p:nvPr>
-            <p:ph type="sldImg"/>
-          </p:nvPr>
-        </p:nvSpPr>
-        <p:spPr>
-          <a:xfrm>
-            <a:off x="479425" y="765175"/>
-            <a:ext cx="6145213" cy="3841750"/>
-          </a:xfrm>
-          <a:ln/>
-        </p:spPr>
-      </p:sp>
-      <p:sp>
-        <p:nvSpPr>
-          <p:cNvPr id="149507" name="Rectangle 3"/>
-          <p:cNvSpPr>
-            <a:spLocks noGrp="1" noChangeArrowheads="1"/>
-          </p:cNvSpPr>
-          <p:nvPr>
-            <p:ph type="body" idx="1"/>
-          </p:nvPr>
-        </p:nvSpPr>
-        <p:spPr/>
-        <p:txBody>
-          <a:bodyPr/>
-          <a:lstStyle/>
-          <a:p>
-            <a:endParaRPr lang="en-GB" dirty="0"/>
-          </a:p>
-        </p:txBody>
-      </p:sp>
-    </p:spTree>
-  </p:cSld>
-  <p:clrMapOvr>
-    <a:masterClrMapping/>
-  </p:clrMapOvr>
-</p:notes>
-</file>
-
-<file path=ppt/notesSlides/notesSlide19.xml><?xml version="1.0" encoding="utf-8"?>
-<p:notes xmlns:a="http://schemas.openxmlformats.org/drawingml/2006/main" xmlns:r="http://schemas.openxmlformats.org/officeDocument/2006/relationships" xmlns:p="http://schemas.openxmlformats.org/presentationml/2006/main">
-  <p:cSld>
-    <p:spTree>
-      <p:nvGrpSpPr>
-        <p:cNvPr id="1" name=""/>
-        <p:cNvGrpSpPr/>
-        <p:nvPr/>
-      </p:nvGrpSpPr>
-      <p:grpSpPr>
-        <a:xfrm>
-          <a:off x="0" y="0"/>
-          <a:ext cx="0" cy="0"/>
-          <a:chOff x="0" y="0"/>
-          <a:chExt cx="0" cy="0"/>
-        </a:xfrm>
-      </p:grpSpPr>
-      <p:sp>
-        <p:nvSpPr>
-          <p:cNvPr id="7" name="Rectangle 7"/>
-          <p:cNvSpPr>
-            <a:spLocks noGrp="1" noChangeArrowheads="1"/>
-          </p:cNvSpPr>
-          <p:nvPr>
-            <p:ph type="sldNum" sz="quarter" idx="5"/>
-          </p:nvPr>
-        </p:nvSpPr>
-        <p:spPr>
-          <a:ln/>
-        </p:spPr>
-        <p:txBody>
-          <a:bodyPr/>
-          <a:lstStyle/>
-          <a:p>
-            <a:fld id="{FD2305D1-531D-4CEF-BD3D-05CF1AF8F416}" type="slidenum">
-              <a:rPr lang="en-GB"/>
-              <a:pPr/>
-              <a:t>19</a:t>
             </a:fld>
             <a:endParaRPr lang="en-GB" dirty="0"/>
           </a:p>
@@ -2418,6 +2329,11 @@
         </p:txBody>
       </p:sp>
     </p:spTree>
+    <p:extLst>
+      <p:ext uri="{BB962C8B-B14F-4D97-AF65-F5344CB8AC3E}">
+        <p14:creationId xmlns:p14="http://schemas.microsoft.com/office/powerpoint/2010/main" val="3656216370"/>
+      </p:ext>
+    </p:extLst>
   </p:cSld>
   <p:clrMapOvr>
     <a:masterClrMapping/>
@@ -2508,7 +2424,7 @@
     </p:spTree>
     <p:extLst>
       <p:ext uri="{BB962C8B-B14F-4D97-AF65-F5344CB8AC3E}">
-        <p14:creationId xmlns:p14="http://schemas.microsoft.com/office/powerpoint/2010/main" val="3656216370"/>
+        <p14:creationId xmlns:p14="http://schemas.microsoft.com/office/powerpoint/2010/main" val="2060849269"/>
       </p:ext>
     </p:extLst>
   </p:cSld>
@@ -2599,11 +2515,6 @@
         </p:txBody>
       </p:sp>
     </p:spTree>
-    <p:extLst>
-      <p:ext uri="{BB962C8B-B14F-4D97-AF65-F5344CB8AC3E}">
-        <p14:creationId xmlns:p14="http://schemas.microsoft.com/office/powerpoint/2010/main" val="2060849269"/>
-      </p:ext>
-    </p:extLst>
   </p:cSld>
   <p:clrMapOvr>
     <a:masterClrMapping/>
@@ -5615,7 +5526,7 @@
               </a:rPr>
               <a:t>Aulas e Programa Previsto</a:t>
             </a:r>
-            <a:endParaRPr lang="pt-PT" sz="1200" b="1" i="1" dirty="0">
+            <a:endParaRPr lang="pt-PT" sz="1100" b="1" i="1" dirty="0">
               <a:solidFill>
                 <a:srgbClr val="FF0000"/>
               </a:solidFill>
@@ -5635,7 +5546,7 @@
         <p:spPr bwMode="auto">
           <a:xfrm>
             <a:off x="540000" y="900000"/>
-            <a:ext cx="8233871" cy="4078348"/>
+            <a:ext cx="8233871" cy="3954277"/>
           </a:xfrm>
           <a:prstGeom prst="rect">
             <a:avLst/>
@@ -5664,7 +5575,7 @@
             </a:pPr>
             <a:r>
               <a:rPr lang="pt-PT" sz="2000" b="0" i="0" dirty="0"/>
-              <a:t>Teórica (tópicos essenciais/16 aulas de 1h):</a:t>
+              <a:t>Teórica (continuação):</a:t>
             </a:r>
           </a:p>
           <a:p>
@@ -5679,13 +5590,8 @@
                   <a:srgbClr val="0033CC"/>
                 </a:solidFill>
               </a:rPr>
-              <a:t>SOP-T0-1APR</a:t>
-            </a:r>
-            <a:endParaRPr lang="pt-PT" sz="1400" i="0" dirty="0">
-              <a:solidFill>
-                <a:srgbClr val="0033CC"/>
-              </a:solidFill>
-            </a:endParaRPr>
+              <a:t>SOP-T1-3GM1, SOP-T1-3GM2 e SOP-T1-GM3</a:t>
+            </a:r>
           </a:p>
           <a:p>
             <a:pPr marL="554607" lvl="2" algn="just" defTabSz="704085">
@@ -5695,7 +5601,7 @@
             </a:pPr>
             <a:r>
               <a:rPr lang="pt-PT" sz="1600" b="0" i="0" dirty="0"/>
-              <a:t>Apresentação do método de avaliação, formato e programa da unidade curricular.</a:t>
+              <a:t>Organização e gestão de diversas organizações de memória; Memória virtual; Paginação e segmentação.</a:t>
             </a:r>
           </a:p>
           <a:p>
@@ -5705,12 +5611,12 @@
               </a:lnSpc>
             </a:pPr>
             <a:r>
-              <a:rPr lang="pt-PT" sz="2000" i="0" strike="sngStrike" dirty="0">
+              <a:rPr lang="pt-PT" sz="2000" i="0" dirty="0">
                 <a:solidFill>
                   <a:srgbClr val="0033CC"/>
                 </a:solidFill>
               </a:rPr>
-              <a:t>SOP-T0-2ISO</a:t>
+              <a:t>SOP-T1-4SF1 e SOP-T1-4SF2</a:t>
             </a:r>
           </a:p>
           <a:p>
@@ -5721,7 +5627,7 @@
             </a:pPr>
             <a:r>
               <a:rPr lang="pt-PT" sz="1600" b="0" i="0" dirty="0"/>
-              <a:t>Apresentar os temas abordados ao longo das aulas teóricas Unidade Curricular, bem com uma introdução aos conceitos essenciais no campo dos sistemas operativos.</a:t>
+              <a:t>Evolução e organização dos sistemas de ficheiros; Características e algoritmos de funcionamento.</a:t>
             </a:r>
           </a:p>
           <a:p>
@@ -5736,7 +5642,7 @@
                   <a:srgbClr val="0033CC"/>
                 </a:solidFill>
               </a:rPr>
-              <a:t>SOP-T1-1PR1, SOP-T1-1PR2 e SOP-T1-1PR3 </a:t>
+              <a:t>SOP-T1-5CP1 e SOP-T1-5CP2</a:t>
             </a:r>
           </a:p>
           <a:p>
@@ -5746,9 +5652,10 @@
               </a:lnSpc>
             </a:pPr>
             <a:r>
-              <a:rPr lang="pt-PT" sz="1600" b="0" i="0" dirty="0"/>
-              <a:t>Processos e Programas: Propriedades, organização, funcionamento e estados; Escalonamento de Processos.</a:t>
-            </a:r>
+              <a:rPr lang="pt-BR" sz="1600" b="0" i="0" dirty="0"/>
+              <a:t>Modelos de Comunicação; Comunicação entre processos; Comunicação Local e Remota.</a:t>
+            </a:r>
+            <a:endParaRPr lang="pt-PT" sz="1600" b="0" i="0" dirty="0"/>
           </a:p>
           <a:p>
             <a:pPr marL="396746" lvl="1" algn="l" defTabSz="704085">
@@ -5762,7 +5669,7 @@
                   <a:srgbClr val="0033CC"/>
                 </a:solidFill>
               </a:rPr>
-              <a:t>SOP-T1-2DE1 e SOP-T1-2DE2</a:t>
+              <a:t>SOP-T1-6GD1 e SOP-T1-6GD2</a:t>
             </a:r>
           </a:p>
           <a:p>
@@ -5772,24 +5679,17 @@
               </a:lnSpc>
             </a:pPr>
             <a:r>
-              <a:rPr lang="pt-PT" sz="1600" b="0" i="0" dirty="0"/>
-              <a:t>Secções críticas e </a:t>
-            </a:r>
-            <a:r>
-              <a:rPr lang="pt-PT" sz="1600" b="0" dirty="0" err="1"/>
-              <a:t>deadlocks</a:t>
-            </a:r>
-            <a:r>
-              <a:rPr lang="pt-PT" sz="1600" b="0" i="0" dirty="0"/>
-              <a:t>.</a:t>
-            </a:r>
+              <a:rPr lang="pt-BR" sz="1600" b="0" i="0" dirty="0"/>
+              <a:t>Gestão de dispositivos e níveis de abstracção do hardware.</a:t>
+            </a:r>
+            <a:endParaRPr lang="pt-PT" sz="1600" b="0" i="0" dirty="0"/>
           </a:p>
         </p:txBody>
       </p:sp>
     </p:spTree>
     <p:extLst>
       <p:ext uri="{BB962C8B-B14F-4D97-AF65-F5344CB8AC3E}">
-        <p14:creationId xmlns:p14="http://schemas.microsoft.com/office/powerpoint/2010/main" val="1449977999"/>
+        <p14:creationId xmlns:p14="http://schemas.microsoft.com/office/powerpoint/2010/main" val="723247484"/>
       </p:ext>
     </p:extLst>
   </p:cSld>
@@ -6031,7 +5931,7 @@
         <p:spPr bwMode="auto">
           <a:xfrm>
             <a:off x="540000" y="900000"/>
-            <a:ext cx="8233871" cy="3954277"/>
+            <a:ext cx="8233871" cy="2255350"/>
           </a:xfrm>
           <a:prstGeom prst="rect">
             <a:avLst/>
@@ -6075,7 +5975,7 @@
                   <a:srgbClr val="0033CC"/>
                 </a:solidFill>
               </a:rPr>
-              <a:t>SOP-T1-3GM1, SOP-T1-3GM2 e SOP-T1-GM3</a:t>
+              <a:t>SOP-T1-AVL1</a:t>
             </a:r>
           </a:p>
           <a:p>
@@ -6086,95 +5986,73 @@
             </a:pPr>
             <a:r>
               <a:rPr lang="pt-PT" sz="1600" b="0" i="0" dirty="0"/>
-              <a:t>Organização e gestão de diversas organizações de memória; Memória virtual; Paginação e segmentação.</a:t>
-            </a:r>
-          </a:p>
-          <a:p>
-            <a:pPr marL="396746" lvl="1" algn="l" defTabSz="704085">
+              <a:t>Realização da </a:t>
+            </a:r>
+            <a:r>
+              <a:rPr lang="pt-PT" sz="1600" i="0" dirty="0"/>
+              <a:t>Prova Intermédia de Avaliação</a:t>
+            </a:r>
+            <a:r>
+              <a:rPr lang="pt-PT" sz="1600" b="0" i="0" dirty="0"/>
+              <a:t>:</a:t>
+            </a:r>
+          </a:p>
+          <a:p>
+            <a:pPr marL="806066" lvl="2" indent="-251459" algn="just" defTabSz="704085">
               <a:lnSpc>
                 <a:spcPct val="120000"/>
               </a:lnSpc>
+              <a:buFont typeface="Wingdings" panose="05000000000000000000" pitchFamily="2" charset="2"/>
+              <a:buChar char="Ø"/>
             </a:pPr>
             <a:r>
-              <a:rPr lang="pt-PT" sz="2000" i="0" dirty="0">
-                <a:solidFill>
-                  <a:srgbClr val="0033CC"/>
-                </a:solidFill>
-              </a:rPr>
-              <a:t>SOP-T1-4SF1 e SOP-T1-4SF2</a:t>
-            </a:r>
-          </a:p>
-          <a:p>
-            <a:pPr marL="554607" lvl="2" algn="just" defTabSz="704085">
+              <a:rPr lang="pt-PT" sz="1600" b="0" i="0" dirty="0"/>
+              <a:t>Teórica e Prática com duração </a:t>
+            </a:r>
+            <a:r>
+              <a:rPr lang="pt-PT" sz="1600" i="0" dirty="0"/>
+              <a:t>40 minutos</a:t>
+            </a:r>
+            <a:r>
+              <a:rPr lang="pt-PT" sz="1600" b="0" i="0" dirty="0"/>
+              <a:t>, no moodle, resposta múltipla com desconto na questão mais errada (-35%) ;</a:t>
+            </a:r>
+          </a:p>
+          <a:p>
+            <a:pPr marL="806066" lvl="2" indent="-251459" algn="just" defTabSz="704085">
               <a:lnSpc>
                 <a:spcPct val="120000"/>
               </a:lnSpc>
+              <a:buFont typeface="Wingdings" panose="05000000000000000000" pitchFamily="2" charset="2"/>
+              <a:buChar char="Ø"/>
             </a:pPr>
             <a:r>
               <a:rPr lang="pt-PT" sz="1600" b="0" i="0" dirty="0"/>
-              <a:t>Evolução e organização dos sistemas de ficheiros; Características e algoritmos de funcionamento.</a:t>
-            </a:r>
-          </a:p>
-          <a:p>
-            <a:pPr marL="396746" lvl="1" algn="l" defTabSz="704085">
-              <a:lnSpc>
-                <a:spcPct val="120000"/>
-              </a:lnSpc>
-            </a:pPr>
-            <a:r>
-              <a:rPr lang="pt-PT" sz="2000" i="0" dirty="0">
-                <a:solidFill>
-                  <a:srgbClr val="0033CC"/>
-                </a:solidFill>
-              </a:rPr>
-              <a:t>SOP-T1-5CP1 e SOP-T1-5CP2</a:t>
-            </a:r>
-          </a:p>
-          <a:p>
-            <a:pPr marL="554607" lvl="2" algn="just" defTabSz="704085">
-              <a:lnSpc>
-                <a:spcPct val="120000"/>
-              </a:lnSpc>
-            </a:pPr>
-            <a:r>
-              <a:rPr lang="pt-BR" sz="1600" b="0" i="0" dirty="0"/>
-              <a:t>Modelos de Comunicação; Comunicação entre processos; Comunicação Local e Remota.</a:t>
-            </a:r>
-            <a:endParaRPr lang="pt-PT" sz="1600" b="0" i="0" dirty="0"/>
-          </a:p>
-          <a:p>
-            <a:pPr marL="396746" lvl="1" algn="l" defTabSz="704085">
-              <a:lnSpc>
-                <a:spcPct val="120000"/>
-              </a:lnSpc>
-            </a:pPr>
-            <a:r>
-              <a:rPr lang="pt-PT" sz="2000" i="0" dirty="0">
-                <a:solidFill>
-                  <a:srgbClr val="0033CC"/>
-                </a:solidFill>
-              </a:rPr>
-              <a:t>SOP-T1-6GD1 e SOP-T1-6GD2</a:t>
-            </a:r>
-          </a:p>
-          <a:p>
-            <a:pPr marL="554607" lvl="2" algn="just" defTabSz="704085">
-              <a:lnSpc>
-                <a:spcPct val="120000"/>
-              </a:lnSpc>
-            </a:pPr>
-            <a:r>
-              <a:rPr lang="pt-BR" sz="1600" b="0" i="0" dirty="0"/>
-              <a:t>Gestão de dispositivos e níveis de abstracção do hardware.</a:t>
-            </a:r>
-            <a:endParaRPr lang="pt-PT" sz="1600" b="0" i="0" dirty="0"/>
+              <a:t>Aula teórica de </a:t>
+            </a:r>
+            <a:r>
+              <a:rPr lang="pt-PT" sz="1600" i="0" dirty="0"/>
+              <a:t>quinta</a:t>
+            </a:r>
+            <a:r>
+              <a:rPr lang="pt-PT" sz="1600" b="0" i="0" dirty="0"/>
+              <a:t>,</a:t>
+            </a:r>
+            <a:r>
+              <a:rPr lang="pt-PT" sz="1600" i="0" dirty="0"/>
+              <a:t> dia 17 de novembro</a:t>
+            </a:r>
+            <a:r>
+              <a:rPr lang="pt-PT" sz="1600" b="0" i="0" dirty="0"/>
+              <a:t> - Prova Escrita versão A, B e potencialmente versão C.</a:t>
+            </a:r>
           </a:p>
         </p:txBody>
       </p:sp>
     </p:spTree>
     <p:extLst>
       <p:ext uri="{BB962C8B-B14F-4D97-AF65-F5344CB8AC3E}">
-        <p14:creationId xmlns:p14="http://schemas.microsoft.com/office/powerpoint/2010/main" val="723247484"/>
+        <p14:creationId xmlns:p14="http://schemas.microsoft.com/office/powerpoint/2010/main" val="3524921540"/>
       </p:ext>
     </p:extLst>
   </p:cSld>
@@ -6396,369 +6274,6 @@
               </a:rPr>
               <a:t>Aulas e Programa Previsto</a:t>
             </a:r>
-            <a:endParaRPr lang="pt-PT" sz="1100" b="1" i="1" dirty="0">
-              <a:solidFill>
-                <a:srgbClr val="FF0000"/>
-              </a:solidFill>
-              <a:latin typeface="Arial" charset="0"/>
-            </a:endParaRPr>
-          </a:p>
-        </p:txBody>
-      </p:sp>
-      <p:sp>
-        <p:nvSpPr>
-          <p:cNvPr id="3" name="Rectangle 13"/>
-          <p:cNvSpPr>
-            <a:spLocks noChangeArrowheads="1"/>
-          </p:cNvSpPr>
-          <p:nvPr/>
-        </p:nvSpPr>
-        <p:spPr bwMode="auto">
-          <a:xfrm>
-            <a:off x="540000" y="900000"/>
-            <a:ext cx="8233871" cy="2255350"/>
-          </a:xfrm>
-          <a:prstGeom prst="rect">
-            <a:avLst/>
-          </a:prstGeom>
-          <a:noFill/>
-          <a:ln w="9525">
-            <a:noFill/>
-            <a:miter lim="800000"/>
-            <a:headEnd/>
-            <a:tailEnd/>
-          </a:ln>
-          <a:effectLst/>
-        </p:spPr>
-        <p:txBody>
-          <a:bodyPr wrap="square" lIns="70408" tIns="35205" rIns="70408" bIns="35205">
-            <a:spAutoFit/>
-          </a:bodyPr>
-          <a:lstStyle/>
-          <a:p>
-            <a:pPr marL="238887" indent="-238887" algn="l" defTabSz="704085">
-              <a:lnSpc>
-                <a:spcPct val="120000"/>
-              </a:lnSpc>
-              <a:buFont typeface="Wingdings" pitchFamily="2" charset="2"/>
-              <a:buChar char="Ø"/>
-            </a:pPr>
-            <a:r>
-              <a:rPr lang="pt-PT" sz="2000" b="0" i="0" dirty="0"/>
-              <a:t>Teórica (continuação):</a:t>
-            </a:r>
-          </a:p>
-          <a:p>
-            <a:pPr marL="396746" lvl="1" algn="l" defTabSz="704085">
-              <a:lnSpc>
-                <a:spcPct val="120000"/>
-              </a:lnSpc>
-            </a:pPr>
-            <a:r>
-              <a:rPr lang="pt-PT" sz="2000" i="0" dirty="0">
-                <a:solidFill>
-                  <a:srgbClr val="0033CC"/>
-                </a:solidFill>
-              </a:rPr>
-              <a:t>SOP-T1-AVL1</a:t>
-            </a:r>
-          </a:p>
-          <a:p>
-            <a:pPr marL="554607" lvl="2" algn="just" defTabSz="704085">
-              <a:lnSpc>
-                <a:spcPct val="120000"/>
-              </a:lnSpc>
-            </a:pPr>
-            <a:r>
-              <a:rPr lang="pt-PT" sz="1600" b="0" i="0" dirty="0"/>
-              <a:t>Realização da </a:t>
-            </a:r>
-            <a:r>
-              <a:rPr lang="pt-PT" sz="1600" i="0" dirty="0"/>
-              <a:t>Prova Intermédia de Avaliação</a:t>
-            </a:r>
-            <a:r>
-              <a:rPr lang="pt-PT" sz="1600" b="0" i="0" dirty="0"/>
-              <a:t>:</a:t>
-            </a:r>
-          </a:p>
-          <a:p>
-            <a:pPr marL="806066" lvl="2" indent="-251459" algn="just" defTabSz="704085">
-              <a:lnSpc>
-                <a:spcPct val="120000"/>
-              </a:lnSpc>
-              <a:buFont typeface="Wingdings" panose="05000000000000000000" pitchFamily="2" charset="2"/>
-              <a:buChar char="Ø"/>
-            </a:pPr>
-            <a:r>
-              <a:rPr lang="pt-PT" sz="1600" b="0" i="0" dirty="0"/>
-              <a:t>Teórica e Prática com duração </a:t>
-            </a:r>
-            <a:r>
-              <a:rPr lang="pt-PT" sz="1600" i="0" dirty="0"/>
-              <a:t>40 minutos</a:t>
-            </a:r>
-            <a:r>
-              <a:rPr lang="pt-PT" sz="1600" b="0" i="0" dirty="0"/>
-              <a:t>, no moodle, resposta múltipla com desconto na questão mais errada (-35%, 35%, 65%, 100%) ;</a:t>
-            </a:r>
-          </a:p>
-          <a:p>
-            <a:pPr marL="806066" lvl="2" indent="-251459" algn="just" defTabSz="704085">
-              <a:lnSpc>
-                <a:spcPct val="120000"/>
-              </a:lnSpc>
-              <a:buFont typeface="Wingdings" panose="05000000000000000000" pitchFamily="2" charset="2"/>
-              <a:buChar char="Ø"/>
-            </a:pPr>
-            <a:r>
-              <a:rPr lang="pt-PT" sz="1600" b="0" i="0" dirty="0"/>
-              <a:t>Aula teórica de </a:t>
-            </a:r>
-            <a:r>
-              <a:rPr lang="pt-PT" sz="1600" i="0" dirty="0"/>
-              <a:t>quinta</a:t>
-            </a:r>
-            <a:r>
-              <a:rPr lang="pt-PT" sz="1600" b="0" i="0" dirty="0"/>
-              <a:t>,</a:t>
-            </a:r>
-            <a:r>
-              <a:rPr lang="pt-PT" sz="1600" i="0" dirty="0"/>
-              <a:t> dia 17 de dezembro</a:t>
-            </a:r>
-            <a:r>
-              <a:rPr lang="pt-PT" sz="1600" b="0" i="0" dirty="0"/>
-              <a:t> - Prova Escrita versão A, B e potencialmente versão C.</a:t>
-            </a:r>
-          </a:p>
-        </p:txBody>
-      </p:sp>
-    </p:spTree>
-    <p:extLst>
-      <p:ext uri="{BB962C8B-B14F-4D97-AF65-F5344CB8AC3E}">
-        <p14:creationId xmlns:p14="http://schemas.microsoft.com/office/powerpoint/2010/main" val="3524921540"/>
-      </p:ext>
-    </p:extLst>
-  </p:cSld>
-  <p:clrMapOvr>
-    <a:masterClrMapping/>
-  </p:clrMapOvr>
-  <p:timing>
-    <p:tnLst>
-      <p:par>
-        <p:cTn id="1" dur="indefinite" restart="never" nodeType="tmRoot">
-          <p:childTnLst>
-            <p:seq concurrent="1" nextAc="seek">
-              <p:cTn id="2" dur="indefinite" nodeType="mainSeq">
-                <p:childTnLst>
-                  <p:par>
-                    <p:cTn id="3" fill="hold">
-                      <p:stCondLst>
-                        <p:cond delay="indefinite"/>
-                        <p:cond evt="onBegin" delay="0">
-                          <p:tn val="2"/>
-                        </p:cond>
-                      </p:stCondLst>
-                      <p:childTnLst>
-                        <p:par>
-                          <p:cTn id="4" fill="hold">
-                            <p:stCondLst>
-                              <p:cond delay="0"/>
-                            </p:stCondLst>
-                            <p:childTnLst>
-                              <p:par>
-                                <p:cTn id="5" presetID="42" presetClass="entr" presetSubtype="0" fill="hold" grpId="0" nodeType="afterEffect">
-                                  <p:stCondLst>
-                                    <p:cond delay="0"/>
-                                  </p:stCondLst>
-                                  <p:childTnLst>
-                                    <p:set>
-                                      <p:cBhvr>
-                                        <p:cTn id="6" dur="1" fill="hold">
-                                          <p:stCondLst>
-                                            <p:cond delay="0"/>
-                                          </p:stCondLst>
-                                        </p:cTn>
-                                        <p:tgtEl>
-                                          <p:spTgt spid="3"/>
-                                        </p:tgtEl>
-                                        <p:attrNameLst>
-                                          <p:attrName>style.visibility</p:attrName>
-                                        </p:attrNameLst>
-                                      </p:cBhvr>
-                                      <p:to>
-                                        <p:strVal val="visible"/>
-                                      </p:to>
-                                    </p:set>
-                                    <p:animEffect transition="in" filter="fade">
-                                      <p:cBhvr>
-                                        <p:cTn id="7" dur="500"/>
-                                        <p:tgtEl>
-                                          <p:spTgt spid="3"/>
-                                        </p:tgtEl>
-                                      </p:cBhvr>
-                                    </p:animEffect>
-                                    <p:anim calcmode="lin" valueType="num">
-                                      <p:cBhvr>
-                                        <p:cTn id="8" dur="500" fill="hold"/>
-                                        <p:tgtEl>
-                                          <p:spTgt spid="3"/>
-                                        </p:tgtEl>
-                                        <p:attrNameLst>
-                                          <p:attrName>ppt_x</p:attrName>
-                                        </p:attrNameLst>
-                                      </p:cBhvr>
-                                      <p:tavLst>
-                                        <p:tav tm="0">
-                                          <p:val>
-                                            <p:strVal val="#ppt_x"/>
-                                          </p:val>
-                                        </p:tav>
-                                        <p:tav tm="100000">
-                                          <p:val>
-                                            <p:strVal val="#ppt_x"/>
-                                          </p:val>
-                                        </p:tav>
-                                      </p:tavLst>
-                                    </p:anim>
-                                    <p:anim calcmode="lin" valueType="num">
-                                      <p:cBhvr>
-                                        <p:cTn id="9" dur="500" fill="hold"/>
-                                        <p:tgtEl>
-                                          <p:spTgt spid="3"/>
-                                        </p:tgtEl>
-                                        <p:attrNameLst>
-                                          <p:attrName>ppt_y</p:attrName>
-                                        </p:attrNameLst>
-                                      </p:cBhvr>
-                                      <p:tavLst>
-                                        <p:tav tm="0">
-                                          <p:val>
-                                            <p:strVal val="#ppt_y+.1"/>
-                                          </p:val>
-                                        </p:tav>
-                                        <p:tav tm="100000">
-                                          <p:val>
-                                            <p:strVal val="#ppt_y"/>
-                                          </p:val>
-                                        </p:tav>
-                                      </p:tavLst>
-                                    </p:anim>
-                                  </p:childTnLst>
-                                </p:cTn>
-                              </p:par>
-                            </p:childTnLst>
-                          </p:cTn>
-                        </p:par>
-                      </p:childTnLst>
-                    </p:cTn>
-                  </p:par>
-                </p:childTnLst>
-              </p:cTn>
-              <p:prevCondLst>
-                <p:cond evt="onPrev" delay="0">
-                  <p:tgtEl>
-                    <p:sldTgt/>
-                  </p:tgtEl>
-                </p:cond>
-              </p:prevCondLst>
-              <p:nextCondLst>
-                <p:cond evt="onNext" delay="0">
-                  <p:tgtEl>
-                    <p:sldTgt/>
-                  </p:tgtEl>
-                </p:cond>
-              </p:nextCondLst>
-            </p:seq>
-          </p:childTnLst>
-        </p:cTn>
-      </p:par>
-    </p:tnLst>
-    <p:bldLst>
-      <p:bldP spid="3" grpId="0"/>
-    </p:bldLst>
-  </p:timing>
-</p:sld>
-</file>
-
-<file path=ppt/slides/slide13.xml><?xml version="1.0" encoding="utf-8"?>
-<p:sld xmlns:a="http://schemas.openxmlformats.org/drawingml/2006/main" xmlns:r="http://schemas.openxmlformats.org/officeDocument/2006/relationships" xmlns:p="http://schemas.openxmlformats.org/presentationml/2006/main">
-  <p:cSld>
-    <p:spTree>
-      <p:nvGrpSpPr>
-        <p:cNvPr id="1" name=""/>
-        <p:cNvGrpSpPr/>
-        <p:nvPr/>
-      </p:nvGrpSpPr>
-      <p:grpSpPr>
-        <a:xfrm>
-          <a:off x="0" y="0"/>
-          <a:ext cx="0" cy="0"/>
-          <a:chOff x="0" y="0"/>
-          <a:chExt cx="0" cy="0"/>
-        </a:xfrm>
-      </p:grpSpPr>
-      <p:sp>
-        <p:nvSpPr>
-          <p:cNvPr id="148482" name="Rectangle 2"/>
-          <p:cNvSpPr>
-            <a:spLocks noGrp="1" noChangeArrowheads="1"/>
-          </p:cNvSpPr>
-          <p:nvPr>
-            <p:ph type="title" idx="4294967295"/>
-          </p:nvPr>
-        </p:nvSpPr>
-        <p:spPr bwMode="auto">
-          <a:xfrm>
-            <a:off x="3006330" y="217207"/>
-            <a:ext cx="5292085" cy="420439"/>
-          </a:xfrm>
-          <a:prstGeom prst="rect">
-            <a:avLst/>
-          </a:prstGeom>
-          <a:noFill/>
-          <a:ln>
-            <a:miter lim="800000"/>
-            <a:headEnd/>
-            <a:tailEnd/>
-          </a:ln>
-        </p:spPr>
-        <p:txBody>
-          <a:bodyPr vert="horz" wrap="square" lIns="71323" tIns="35662" rIns="71323" bIns="35662" numCol="1" anchor="t" anchorCtr="0" compatLnSpc="1">
-            <a:prstTxWarp prst="textNoShape">
-              <a:avLst/>
-            </a:prstTxWarp>
-          </a:bodyPr>
-          <a:lstStyle/>
-          <a:p>
-            <a:pPr algn="r"/>
-            <a:r>
-              <a:rPr lang="pt-PT" sz="800" b="1" i="1" dirty="0">
-                <a:solidFill>
-                  <a:srgbClr val="FF0000"/>
-                </a:solidFill>
-                <a:latin typeface="Arial" charset="0"/>
-              </a:rPr>
-              <a:t>SOP-T0-1APR</a:t>
-            </a:r>
-            <a:br>
-              <a:rPr lang="pt-PT" sz="1600" b="1" i="1" dirty="0">
-                <a:solidFill>
-                  <a:srgbClr val="FF0000"/>
-                </a:solidFill>
-                <a:latin typeface="Arial" charset="0"/>
-              </a:rPr>
-            </a:br>
-            <a:r>
-              <a:rPr lang="pt-PT" sz="1800" b="1" i="1" cap="small" dirty="0">
-                <a:solidFill>
-                  <a:srgbClr val="FF0000"/>
-                </a:solidFill>
-                <a:latin typeface="Arial" charset="0"/>
-              </a:rPr>
-              <a:t>Aulas e Programa Previsto</a:t>
-            </a:r>
             <a:endParaRPr lang="pt-PT" sz="1200" b="1" i="1" dirty="0">
               <a:solidFill>
                 <a:srgbClr val="FF0000"/>
@@ -7341,7 +6856,7 @@
 </p:sld>
 </file>
 
-<file path=ppt/slides/slide14.xml><?xml version="1.0" encoding="utf-8"?>
+<file path=ppt/slides/slide13.xml><?xml version="1.0" encoding="utf-8"?>
 <p:sld xmlns:a="http://schemas.openxmlformats.org/drawingml/2006/main" xmlns:r="http://schemas.openxmlformats.org/officeDocument/2006/relationships" xmlns:p="http://schemas.openxmlformats.org/presentationml/2006/main">
   <p:cSld>
     <p:spTree>
@@ -7522,7 +7037,7 @@
             </a:r>
             <a:r>
               <a:rPr lang="pt-PT" sz="1600" b="0" i="0" dirty="0"/>
-              <a:t>, no moodle, resposta múltipla com desconto na questão mais errada (-35%, 35%, 65%, 100%) ;</a:t>
+              <a:t>, no moodle, resposta múltipla com desconto na questão mais errada (-35%);</a:t>
             </a:r>
           </a:p>
           <a:p>
@@ -7704,7 +7219,7 @@
 </p:sld>
 </file>
 
-<file path=ppt/slides/slide15.xml><?xml version="1.0" encoding="utf-8"?>
+<file path=ppt/slides/slide14.xml><?xml version="1.0" encoding="utf-8"?>
 <p:sld xmlns:a="http://schemas.openxmlformats.org/drawingml/2006/main" xmlns:r="http://schemas.openxmlformats.org/officeDocument/2006/relationships" xmlns:p="http://schemas.openxmlformats.org/presentationml/2006/main">
   <p:cSld>
     <p:spTree>
@@ -8060,7 +7575,7 @@
 </p:sld>
 </file>
 
-<file path=ppt/slides/slide16.xml><?xml version="1.0" encoding="utf-8"?>
+<file path=ppt/slides/slide15.xml><?xml version="1.0" encoding="utf-8"?>
 <p:sld xmlns:a="http://schemas.openxmlformats.org/drawingml/2006/main" xmlns:r="http://schemas.openxmlformats.org/officeDocument/2006/relationships" xmlns:p="http://schemas.openxmlformats.org/presentationml/2006/main">
   <p:cSld>
     <p:spTree>
@@ -8563,7 +8078,7 @@
 </p:sld>
 </file>
 
-<file path=ppt/slides/slide17.xml><?xml version="1.0" encoding="utf-8"?>
+<file path=ppt/slides/slide16.xml><?xml version="1.0" encoding="utf-8"?>
 <p:sld xmlns:a="http://schemas.openxmlformats.org/drawingml/2006/main" xmlns:r="http://schemas.openxmlformats.org/officeDocument/2006/relationships" xmlns:p="http://schemas.openxmlformats.org/presentationml/2006/main">
   <p:cSld>
     <p:spTree>
@@ -8902,7 +8417,7 @@
 </p:sld>
 </file>
 
-<file path=ppt/slides/slide18.xml><?xml version="1.0" encoding="utf-8"?>
+<file path=ppt/slides/slide17.xml><?xml version="1.0" encoding="utf-8"?>
 <p:sld xmlns:a="http://schemas.openxmlformats.org/drawingml/2006/main" xmlns:r="http://schemas.openxmlformats.org/officeDocument/2006/relationships" xmlns:p="http://schemas.openxmlformats.org/presentationml/2006/main">
   <p:cSld>
     <p:spTree>
@@ -9097,7 +8612,7 @@
             </a:r>
             <a:r>
               <a:rPr lang="pt-PT" sz="2000" i="0" dirty="0"/>
-              <a:t>das 17h de quinta 22 de setembro </a:t>
+              <a:t>das 17h de quinta 29 de setembro </a:t>
             </a:r>
             <a:r>
               <a:rPr lang="pt-PT" sz="2000" b="0" i="0" dirty="0"/>
@@ -9105,7 +8620,7 @@
             </a:r>
             <a:r>
               <a:rPr lang="pt-PT" sz="2000" i="0" dirty="0"/>
-              <a:t>às 23h59 de quarta 28 de setembro</a:t>
+              <a:t>às 23h59 de sexta 29 de setembro</a:t>
             </a:r>
             <a:r>
               <a:rPr lang="pt-PT" sz="2000" b="0" i="0" dirty="0"/>
@@ -9287,7 +8802,7 @@
 </p:sld>
 </file>
 
-<file path=ppt/slides/slide19.xml><?xml version="1.0" encoding="utf-8"?>
+<file path=ppt/slides/slide18.xml><?xml version="1.0" encoding="utf-8"?>
 <p:sld xmlns:a="http://schemas.openxmlformats.org/drawingml/2006/main" xmlns:r="http://schemas.openxmlformats.org/officeDocument/2006/relationships" xmlns:p="http://schemas.openxmlformats.org/presentationml/2006/main">
   <p:cSld>
     <p:spTree>
@@ -11125,7 +10640,7 @@
             </a:r>
             <a:r>
               <a:rPr lang="pt-PT" sz="1900" i="0" dirty="0"/>
-              <a:t>180</a:t>
+              <a:t>181</a:t>
             </a:r>
             <a:r>
               <a:rPr lang="pt-PT" sz="1600" b="0" i="0" dirty="0"/>
@@ -11141,7 +10656,7 @@
             </a:r>
             <a:r>
               <a:rPr lang="pt-PT" sz="1900" i="0" dirty="0"/>
-              <a:t>35</a:t>
+              <a:t>60</a:t>
             </a:r>
             <a:r>
               <a:rPr lang="pt-PT" sz="1600" b="0" i="0" dirty="0"/>
@@ -11149,7 +10664,7 @@
             </a:r>
             <a:r>
               <a:rPr lang="pt-PT" sz="1900" i="0" dirty="0"/>
-              <a:t>39</a:t>
+              <a:t>0</a:t>
             </a:r>
             <a:r>
               <a:rPr lang="pt-PT" sz="1600" b="0" i="0" dirty="0"/>
@@ -11335,416 +10850,6 @@
 </file>
 
 <file path=ppt/slides/slide6.xml><?xml version="1.0" encoding="utf-8"?>
-<p:sld xmlns:a="http://schemas.openxmlformats.org/drawingml/2006/main" xmlns:r="http://schemas.openxmlformats.org/officeDocument/2006/relationships" xmlns:p="http://schemas.openxmlformats.org/presentationml/2006/main">
-  <p:cSld>
-    <p:spTree>
-      <p:nvGrpSpPr>
-        <p:cNvPr id="1" name=""/>
-        <p:cNvGrpSpPr/>
-        <p:nvPr/>
-      </p:nvGrpSpPr>
-      <p:grpSpPr>
-        <a:xfrm>
-          <a:off x="0" y="0"/>
-          <a:ext cx="0" cy="0"/>
-          <a:chOff x="0" y="0"/>
-          <a:chExt cx="0" cy="0"/>
-        </a:xfrm>
-      </p:grpSpPr>
-      <p:sp>
-        <p:nvSpPr>
-          <p:cNvPr id="148482" name="Rectangle 2"/>
-          <p:cNvSpPr>
-            <a:spLocks noGrp="1" noChangeArrowheads="1"/>
-          </p:cNvSpPr>
-          <p:nvPr>
-            <p:ph type="title" idx="4294967295"/>
-          </p:nvPr>
-        </p:nvSpPr>
-        <p:spPr bwMode="auto">
-          <a:xfrm>
-            <a:off x="3006330" y="217207"/>
-            <a:ext cx="5292085" cy="420439"/>
-          </a:xfrm>
-          <a:prstGeom prst="rect">
-            <a:avLst/>
-          </a:prstGeom>
-          <a:noFill/>
-          <a:ln>
-            <a:miter lim="800000"/>
-            <a:headEnd/>
-            <a:tailEnd/>
-          </a:ln>
-        </p:spPr>
-        <p:txBody>
-          <a:bodyPr vert="horz" wrap="square" lIns="71323" tIns="35662" rIns="71323" bIns="35662" numCol="1" anchor="t" anchorCtr="0" compatLnSpc="1">
-            <a:prstTxWarp prst="textNoShape">
-              <a:avLst/>
-            </a:prstTxWarp>
-          </a:bodyPr>
-          <a:lstStyle/>
-          <a:p>
-            <a:pPr algn="r"/>
-            <a:r>
-              <a:rPr lang="pt-PT" sz="800" b="1" i="1" dirty="0">
-                <a:solidFill>
-                  <a:srgbClr val="FF0000"/>
-                </a:solidFill>
-                <a:latin typeface="Arial" charset="0"/>
-              </a:rPr>
-              <a:t>SOP-T0-1APR</a:t>
-            </a:r>
-            <a:br>
-              <a:rPr lang="pt-PT" sz="1600" b="1" i="1" dirty="0">
-                <a:solidFill>
-                  <a:srgbClr val="FF0000"/>
-                </a:solidFill>
-                <a:latin typeface="Arial" charset="0"/>
-              </a:rPr>
-            </a:br>
-            <a:r>
-              <a:rPr lang="pt-PT" sz="1800" b="1" i="1" cap="small" dirty="0">
-                <a:solidFill>
-                  <a:srgbClr val="FF0000"/>
-                </a:solidFill>
-                <a:latin typeface="Arial" charset="0"/>
-              </a:rPr>
-              <a:t>Estatísticas</a:t>
-            </a:r>
-            <a:endParaRPr lang="pt-PT" sz="1400" b="1" i="1" dirty="0">
-              <a:solidFill>
-                <a:srgbClr val="FF0000"/>
-              </a:solidFill>
-              <a:latin typeface="Arial" charset="0"/>
-            </a:endParaRPr>
-          </a:p>
-        </p:txBody>
-      </p:sp>
-      <p:sp>
-        <p:nvSpPr>
-          <p:cNvPr id="19" name="Rectangle 13"/>
-          <p:cNvSpPr>
-            <a:spLocks noChangeArrowheads="1"/>
-          </p:cNvSpPr>
-          <p:nvPr/>
-        </p:nvSpPr>
-        <p:spPr bwMode="auto">
-          <a:xfrm>
-            <a:off x="540000" y="900000"/>
-            <a:ext cx="8352480" cy="2895717"/>
-          </a:xfrm>
-          <a:prstGeom prst="rect">
-            <a:avLst/>
-          </a:prstGeom>
-          <a:noFill/>
-          <a:ln w="9525">
-            <a:noFill/>
-            <a:miter lim="800000"/>
-            <a:headEnd/>
-            <a:tailEnd/>
-          </a:ln>
-          <a:effectLst/>
-        </p:spPr>
-        <p:txBody>
-          <a:bodyPr wrap="square" lIns="70408" tIns="35205" rIns="70408" bIns="35205">
-            <a:spAutoFit/>
-          </a:bodyPr>
-          <a:lstStyle/>
-          <a:p>
-            <a:pPr marL="238887" indent="-238887" algn="l" defTabSz="704085">
-              <a:lnSpc>
-                <a:spcPct val="120000"/>
-              </a:lnSpc>
-              <a:buFont typeface="Wingdings" pitchFamily="2" charset="2"/>
-              <a:buChar char="Ø"/>
-            </a:pPr>
-            <a:r>
-              <a:rPr lang="pt-PT" sz="2000" b="0" i="0" dirty="0"/>
-              <a:t>Ano letivo 2021/22:</a:t>
-            </a:r>
-          </a:p>
-          <a:p>
-            <a:pPr marL="396746" lvl="1" algn="l" defTabSz="704085">
-              <a:lnSpc>
-                <a:spcPct val="120000"/>
-              </a:lnSpc>
-            </a:pPr>
-            <a:r>
-              <a:rPr lang="pt-PT" sz="2000" i="0" dirty="0">
-                <a:solidFill>
-                  <a:srgbClr val="0033CC"/>
-                </a:solidFill>
-              </a:rPr>
-              <a:t>Engenharia Eletrotécnica e de Computadores</a:t>
-            </a:r>
-          </a:p>
-          <a:p>
-            <a:pPr marL="554607" lvl="2" algn="just" defTabSz="704085">
-              <a:lnSpc>
-                <a:spcPct val="120000"/>
-              </a:lnSpc>
-            </a:pPr>
-            <a:r>
-              <a:rPr lang="pt-PT" sz="1600" b="0" i="0" dirty="0"/>
-              <a:t>UC deixou de existir no curso em </a:t>
-            </a:r>
-            <a:r>
-              <a:rPr lang="pt-PT" sz="1900" i="0" dirty="0"/>
-              <a:t>2017/18</a:t>
-            </a:r>
-          </a:p>
-          <a:p>
-            <a:pPr marL="396746" lvl="1" algn="l" defTabSz="704085">
-              <a:lnSpc>
-                <a:spcPct val="120000"/>
-              </a:lnSpc>
-            </a:pPr>
-            <a:r>
-              <a:rPr lang="pt-PT" sz="2000" i="0" dirty="0">
-                <a:solidFill>
-                  <a:srgbClr val="0033CC"/>
-                </a:solidFill>
-              </a:rPr>
-              <a:t>Engenharia Informática</a:t>
-            </a:r>
-          </a:p>
-          <a:p>
-            <a:pPr marL="554607" lvl="2" algn="just" defTabSz="704085">
-              <a:lnSpc>
-                <a:spcPct val="120000"/>
-              </a:lnSpc>
-            </a:pPr>
-            <a:r>
-              <a:rPr lang="pt-PT" sz="1600" b="0" i="0" dirty="0"/>
-              <a:t>Inscritos: </a:t>
-            </a:r>
-            <a:r>
-              <a:rPr lang="pt-PT" sz="1900" i="0" dirty="0"/>
-              <a:t>189</a:t>
-            </a:r>
-            <a:r>
-              <a:rPr lang="pt-PT" sz="1600" b="0" i="0" dirty="0"/>
-              <a:t> (+51 alunos) / 1ª: </a:t>
-            </a:r>
-            <a:r>
-              <a:rPr lang="pt-PT" sz="1900" i="0" dirty="0"/>
-              <a:t>118</a:t>
-            </a:r>
-            <a:r>
-              <a:rPr lang="pt-PT" sz="1600" b="0" i="0" dirty="0"/>
-              <a:t> (62%) / 2ª: </a:t>
-            </a:r>
-            <a:r>
-              <a:rPr lang="pt-PT" sz="1900" i="0" dirty="0"/>
-              <a:t>42</a:t>
-            </a:r>
-            <a:r>
-              <a:rPr lang="pt-PT" sz="1600" b="0" i="0" dirty="0"/>
-              <a:t> (22%) / +2: </a:t>
-            </a:r>
-            <a:r>
-              <a:rPr lang="pt-PT" sz="1900" i="0" dirty="0"/>
-              <a:t>30</a:t>
-            </a:r>
-            <a:r>
-              <a:rPr lang="pt-PT" sz="1600" b="0" i="0" dirty="0"/>
-              <a:t> (16%) / </a:t>
-            </a:r>
-            <a:r>
-              <a:rPr lang="pt-PT" sz="1600" i="0" dirty="0"/>
-              <a:t>1 </a:t>
-            </a:r>
-            <a:r>
-              <a:rPr lang="pt-PT" sz="1600" b="0" i="0" dirty="0"/>
-              <a:t>Aluno com mais inscrições </a:t>
-            </a:r>
-            <a:r>
-              <a:rPr lang="pt-PT" sz="1800" i="0" dirty="0"/>
-              <a:t>12</a:t>
-            </a:r>
-            <a:endParaRPr lang="pt-PT" sz="1900" i="0" dirty="0"/>
-          </a:p>
-          <a:p>
-            <a:pPr marL="396746" lvl="1" algn="l" defTabSz="704085">
-              <a:lnSpc>
-                <a:spcPct val="120000"/>
-              </a:lnSpc>
-            </a:pPr>
-            <a:r>
-              <a:rPr lang="pt-PT" sz="2000" i="0" dirty="0">
-                <a:solidFill>
-                  <a:srgbClr val="0033CC"/>
-                </a:solidFill>
-              </a:rPr>
-              <a:t>Tecnologias da Informação e Comunicação</a:t>
-            </a:r>
-          </a:p>
-          <a:p>
-            <a:pPr marL="554607" lvl="2" algn="just" defTabSz="704085">
-              <a:lnSpc>
-                <a:spcPct val="120000"/>
-              </a:lnSpc>
-            </a:pPr>
-            <a:r>
-              <a:rPr lang="pt-PT" sz="1600" b="0" i="0" dirty="0"/>
-              <a:t>UC sem inscritos </a:t>
-            </a:r>
-            <a:r>
-              <a:rPr lang="pt-PT" sz="1900" i="0" dirty="0"/>
-              <a:t>2022/23</a:t>
-            </a:r>
-          </a:p>
-        </p:txBody>
-      </p:sp>
-    </p:spTree>
-    <p:extLst>
-      <p:ext uri="{BB962C8B-B14F-4D97-AF65-F5344CB8AC3E}">
-        <p14:creationId xmlns:p14="http://schemas.microsoft.com/office/powerpoint/2010/main" val="806837664"/>
-      </p:ext>
-    </p:extLst>
-  </p:cSld>
-  <p:clrMapOvr>
-    <a:masterClrMapping/>
-  </p:clrMapOvr>
-  <p:timing>
-    <p:tnLst>
-      <p:par>
-        <p:cTn id="1" dur="indefinite" restart="never" nodeType="tmRoot">
-          <p:childTnLst>
-            <p:seq concurrent="1" nextAc="seek">
-              <p:cTn id="2" dur="indefinite" nodeType="mainSeq">
-                <p:childTnLst>
-                  <p:par>
-                    <p:cTn id="3" fill="hold">
-                      <p:stCondLst>
-                        <p:cond delay="indefinite"/>
-                        <p:cond evt="onBegin" delay="0">
-                          <p:tn val="2"/>
-                        </p:cond>
-                      </p:stCondLst>
-                      <p:childTnLst>
-                        <p:par>
-                          <p:cTn id="4" fill="hold">
-                            <p:stCondLst>
-                              <p:cond delay="0"/>
-                            </p:stCondLst>
-                            <p:childTnLst>
-                              <p:par>
-                                <p:cTn id="5" presetID="42" presetClass="entr" presetSubtype="0" fill="hold" grpId="0" nodeType="afterEffect">
-                                  <p:stCondLst>
-                                    <p:cond delay="0"/>
-                                  </p:stCondLst>
-                                  <p:childTnLst>
-                                    <p:set>
-                                      <p:cBhvr>
-                                        <p:cTn id="6" dur="1" fill="hold">
-                                          <p:stCondLst>
-                                            <p:cond delay="0"/>
-                                          </p:stCondLst>
-                                        </p:cTn>
-                                        <p:tgtEl>
-                                          <p:spTgt spid="19"/>
-                                        </p:tgtEl>
-                                        <p:attrNameLst>
-                                          <p:attrName>style.visibility</p:attrName>
-                                        </p:attrNameLst>
-                                      </p:cBhvr>
-                                      <p:to>
-                                        <p:strVal val="visible"/>
-                                      </p:to>
-                                    </p:set>
-                                    <p:animEffect transition="in" filter="fade">
-                                      <p:cBhvr>
-                                        <p:cTn id="7" dur="500"/>
-                                        <p:tgtEl>
-                                          <p:spTgt spid="19"/>
-                                        </p:tgtEl>
-                                      </p:cBhvr>
-                                    </p:animEffect>
-                                    <p:anim calcmode="lin" valueType="num">
-                                      <p:cBhvr>
-                                        <p:cTn id="8" dur="500" fill="hold"/>
-                                        <p:tgtEl>
-                                          <p:spTgt spid="19"/>
-                                        </p:tgtEl>
-                                        <p:attrNameLst>
-                                          <p:attrName>ppt_x</p:attrName>
-                                        </p:attrNameLst>
-                                      </p:cBhvr>
-                                      <p:tavLst>
-                                        <p:tav tm="0">
-                                          <p:val>
-                                            <p:strVal val="#ppt_x"/>
-                                          </p:val>
-                                        </p:tav>
-                                        <p:tav tm="100000">
-                                          <p:val>
-                                            <p:strVal val="#ppt_x"/>
-                                          </p:val>
-                                        </p:tav>
-                                      </p:tavLst>
-                                    </p:anim>
-                                    <p:anim calcmode="lin" valueType="num">
-                                      <p:cBhvr>
-                                        <p:cTn id="9" dur="500" fill="hold"/>
-                                        <p:tgtEl>
-                                          <p:spTgt spid="19"/>
-                                        </p:tgtEl>
-                                        <p:attrNameLst>
-                                          <p:attrName>ppt_y</p:attrName>
-                                        </p:attrNameLst>
-                                      </p:cBhvr>
-                                      <p:tavLst>
-                                        <p:tav tm="0">
-                                          <p:val>
-                                            <p:strVal val="#ppt_y+.1"/>
-                                          </p:val>
-                                        </p:tav>
-                                        <p:tav tm="100000">
-                                          <p:val>
-                                            <p:strVal val="#ppt_y"/>
-                                          </p:val>
-                                        </p:tav>
-                                      </p:tavLst>
-                                    </p:anim>
-                                  </p:childTnLst>
-                                </p:cTn>
-                              </p:par>
-                            </p:childTnLst>
-                          </p:cTn>
-                        </p:par>
-                      </p:childTnLst>
-                    </p:cTn>
-                  </p:par>
-                </p:childTnLst>
-              </p:cTn>
-              <p:prevCondLst>
-                <p:cond evt="onPrev" delay="0">
-                  <p:tgtEl>
-                    <p:sldTgt/>
-                  </p:tgtEl>
-                </p:cond>
-              </p:prevCondLst>
-              <p:nextCondLst>
-                <p:cond evt="onNext" delay="0">
-                  <p:tgtEl>
-                    <p:sldTgt/>
-                  </p:tgtEl>
-                </p:cond>
-              </p:nextCondLst>
-            </p:seq>
-          </p:childTnLst>
-        </p:cTn>
-      </p:par>
-    </p:tnLst>
-    <p:bldLst>
-      <p:bldP spid="19" grpId="0"/>
-    </p:bldLst>
-  </p:timing>
-</p:sld>
-</file>
-
-<file path=ppt/slides/slide7.xml><?xml version="1.0" encoding="utf-8"?>
 <p:sld xmlns:a="http://schemas.openxmlformats.org/drawingml/2006/main" xmlns:r="http://schemas.openxmlformats.org/officeDocument/2006/relationships" xmlns:p="http://schemas.openxmlformats.org/presentationml/2006/main">
   <p:cSld>
     <p:spTree>
@@ -12963,6 +12068,403 @@
 </p:sld>
 </file>
 
+<file path=ppt/slides/slide7.xml><?xml version="1.0" encoding="utf-8"?>
+<p:sld xmlns:a="http://schemas.openxmlformats.org/drawingml/2006/main" xmlns:r="http://schemas.openxmlformats.org/officeDocument/2006/relationships" xmlns:p="http://schemas.openxmlformats.org/presentationml/2006/main">
+  <p:cSld>
+    <p:spTree>
+      <p:nvGrpSpPr>
+        <p:cNvPr id="1" name=""/>
+        <p:cNvGrpSpPr/>
+        <p:nvPr/>
+      </p:nvGrpSpPr>
+      <p:grpSpPr>
+        <a:xfrm>
+          <a:off x="0" y="0"/>
+          <a:ext cx="0" cy="0"/>
+          <a:chOff x="0" y="0"/>
+          <a:chExt cx="0" cy="0"/>
+        </a:xfrm>
+      </p:grpSpPr>
+      <p:sp>
+        <p:nvSpPr>
+          <p:cNvPr id="148482" name="Rectangle 2"/>
+          <p:cNvSpPr>
+            <a:spLocks noGrp="1" noChangeArrowheads="1"/>
+          </p:cNvSpPr>
+          <p:nvPr>
+            <p:ph type="title" idx="4294967295"/>
+          </p:nvPr>
+        </p:nvSpPr>
+        <p:spPr bwMode="auto">
+          <a:xfrm>
+            <a:off x="3006330" y="217207"/>
+            <a:ext cx="5292085" cy="420439"/>
+          </a:xfrm>
+          <a:prstGeom prst="rect">
+            <a:avLst/>
+          </a:prstGeom>
+          <a:noFill/>
+          <a:ln>
+            <a:miter lim="800000"/>
+            <a:headEnd/>
+            <a:tailEnd/>
+          </a:ln>
+        </p:spPr>
+        <p:txBody>
+          <a:bodyPr vert="horz" wrap="square" lIns="71323" tIns="35662" rIns="71323" bIns="35662" numCol="1" anchor="t" anchorCtr="0" compatLnSpc="1">
+            <a:prstTxWarp prst="textNoShape">
+              <a:avLst/>
+            </a:prstTxWarp>
+          </a:bodyPr>
+          <a:lstStyle/>
+          <a:p>
+            <a:pPr algn="r"/>
+            <a:r>
+              <a:rPr lang="pt-PT" sz="800" b="1" i="1" dirty="0">
+                <a:solidFill>
+                  <a:srgbClr val="FF0000"/>
+                </a:solidFill>
+                <a:latin typeface="Arial" charset="0"/>
+              </a:rPr>
+              <a:t>SOP-T0-1APR</a:t>
+            </a:r>
+            <a:br>
+              <a:rPr lang="pt-PT" sz="1600" b="1" i="1" dirty="0">
+                <a:solidFill>
+                  <a:srgbClr val="FF0000"/>
+                </a:solidFill>
+                <a:latin typeface="Arial" charset="0"/>
+              </a:rPr>
+            </a:br>
+            <a:r>
+              <a:rPr lang="pt-PT" sz="1800" b="1" i="1" cap="small" dirty="0">
+                <a:solidFill>
+                  <a:srgbClr val="FF0000"/>
+                </a:solidFill>
+                <a:latin typeface="Arial" charset="0"/>
+              </a:rPr>
+              <a:t>Avaliação em Modo Projeto</a:t>
+            </a:r>
+            <a:endParaRPr lang="pt-PT" sz="1400" b="1" i="1" dirty="0">
+              <a:solidFill>
+                <a:srgbClr val="FF0000"/>
+              </a:solidFill>
+              <a:latin typeface="Arial" charset="0"/>
+            </a:endParaRPr>
+          </a:p>
+        </p:txBody>
+      </p:sp>
+      <p:sp>
+        <p:nvSpPr>
+          <p:cNvPr id="3" name="Rectangle 13"/>
+          <p:cNvSpPr>
+            <a:spLocks noChangeArrowheads="1"/>
+          </p:cNvSpPr>
+          <p:nvPr/>
+        </p:nvSpPr>
+        <p:spPr bwMode="auto">
+          <a:xfrm>
+            <a:off x="540000" y="900000"/>
+            <a:ext cx="8233871" cy="3658811"/>
+          </a:xfrm>
+          <a:prstGeom prst="rect">
+            <a:avLst/>
+          </a:prstGeom>
+          <a:noFill/>
+          <a:ln w="9525">
+            <a:noFill/>
+            <a:miter lim="800000"/>
+            <a:headEnd/>
+            <a:tailEnd/>
+          </a:ln>
+          <a:effectLst/>
+        </p:spPr>
+        <p:txBody>
+          <a:bodyPr wrap="square" lIns="70408" tIns="35205" rIns="70408" bIns="35205">
+            <a:spAutoFit/>
+          </a:bodyPr>
+          <a:lstStyle/>
+          <a:p>
+            <a:pPr marL="238887" indent="-238887" algn="l" defTabSz="704085">
+              <a:lnSpc>
+                <a:spcPct val="120000"/>
+              </a:lnSpc>
+              <a:buFont typeface="Wingdings" pitchFamily="2" charset="2"/>
+              <a:buChar char="Ø"/>
+            </a:pPr>
+            <a:r>
+              <a:rPr lang="pt-PT" sz="2000" b="0" i="0" dirty="0"/>
+              <a:t>Formato e regras das provas escritas:</a:t>
+            </a:r>
+          </a:p>
+          <a:p>
+            <a:pPr marL="403732" lvl="1" indent="-251459" algn="just" defTabSz="704085">
+              <a:lnSpc>
+                <a:spcPct val="120000"/>
+              </a:lnSpc>
+              <a:buFont typeface="Arial" pitchFamily="34" charset="0"/>
+              <a:buChar char="•"/>
+            </a:pPr>
+            <a:r>
+              <a:rPr lang="pt-PT" sz="1600" b="0" i="0" dirty="0"/>
+              <a:t>É permitida uma folha A4 manuscrita como elemento de consulta individual;</a:t>
+            </a:r>
+          </a:p>
+          <a:p>
+            <a:pPr marL="403732" lvl="1" indent="-251459" algn="just" defTabSz="704085">
+              <a:lnSpc>
+                <a:spcPct val="120000"/>
+              </a:lnSpc>
+              <a:buFont typeface="Arial" pitchFamily="34" charset="0"/>
+              <a:buChar char="•"/>
+            </a:pPr>
+            <a:r>
+              <a:rPr lang="pt-PT" sz="1600" b="0" i="0" dirty="0"/>
+              <a:t>Provas realizadas no Moodle da UTAD (</a:t>
+            </a:r>
+            <a:r>
+              <a:rPr lang="pt-PT" sz="1600" b="0" i="0" dirty="0">
+                <a:solidFill>
+                  <a:schemeClr val="accent2"/>
+                </a:solidFill>
+                <a:hlinkClick r:id="rId3">
+                  <a:extLst>
+                    <a:ext uri="{A12FA001-AC4F-418D-AE19-62706E023703}">
+                      <ahyp:hlinkClr xmlns:ahyp="http://schemas.microsoft.com/office/drawing/2018/hyperlinkcolor" val="tx"/>
+                    </a:ext>
+                  </a:extLst>
+                </a:hlinkClick>
+              </a:rPr>
+              <a:t>http://moodle.utad.pt/</a:t>
+            </a:r>
+            <a:r>
+              <a:rPr lang="pt-PT" sz="1600" b="0" i="0" dirty="0"/>
+              <a:t>), com 2 ou sessões;</a:t>
+            </a:r>
+          </a:p>
+          <a:p>
+            <a:pPr marL="403732" lvl="1" indent="-251459" algn="just" defTabSz="704085">
+              <a:lnSpc>
+                <a:spcPct val="120000"/>
+              </a:lnSpc>
+              <a:buFont typeface="Arial" pitchFamily="34" charset="0"/>
+              <a:buChar char="•"/>
+            </a:pPr>
+            <a:r>
+              <a:rPr lang="pt-PT" sz="1600" b="0" i="0" dirty="0"/>
+              <a:t>Duração de 40 minutos, com 5 minutos de tolerância para entrar no teste e ter o tempo total;</a:t>
+            </a:r>
+          </a:p>
+          <a:p>
+            <a:pPr marL="403732" lvl="1" indent="-251459" algn="just" defTabSz="704085">
+              <a:lnSpc>
+                <a:spcPct val="120000"/>
+              </a:lnSpc>
+              <a:buFont typeface="Arial" pitchFamily="34" charset="0"/>
+              <a:buChar char="•"/>
+            </a:pPr>
+            <a:r>
+              <a:rPr lang="pt-PT" sz="1600" b="0" i="0" dirty="0"/>
+              <a:t>20 questões de respostas múltiplas (5 em cada questão cotadas com 100%, 65%, 35%, 0% e -35%);</a:t>
+            </a:r>
+          </a:p>
+          <a:p>
+            <a:pPr marL="403732" lvl="1" indent="-251459" algn="just" defTabSz="704085">
+              <a:lnSpc>
+                <a:spcPct val="120000"/>
+              </a:lnSpc>
+              <a:buFont typeface="Arial" pitchFamily="34" charset="0"/>
+              <a:buChar char="•"/>
+            </a:pPr>
+            <a:r>
+              <a:rPr lang="pt-PT" sz="1600" b="0" i="0" dirty="0"/>
+              <a:t>Realizadas na rede privada da UTAD (</a:t>
+            </a:r>
+            <a:r>
+              <a:rPr lang="pt-PT" sz="1600" b="0" i="0" dirty="0" err="1"/>
+              <a:t>eduroam</a:t>
+            </a:r>
+            <a:r>
+              <a:rPr lang="pt-PT" sz="1600" b="0" i="0" dirty="0"/>
+              <a:t>);</a:t>
+            </a:r>
+          </a:p>
+          <a:p>
+            <a:pPr marL="403732" lvl="1" indent="-251459" algn="just" defTabSz="704085">
+              <a:lnSpc>
+                <a:spcPct val="120000"/>
+              </a:lnSpc>
+              <a:buFont typeface="Arial" pitchFamily="34" charset="0"/>
+              <a:buChar char="•"/>
+            </a:pPr>
+            <a:r>
+              <a:rPr lang="pt-PT" sz="1600" b="0" i="0" dirty="0"/>
+              <a:t>Caso exista uma falha generalizada na rede ou plataforma Moodle, a prova será adiada;</a:t>
+            </a:r>
+          </a:p>
+          <a:p>
+            <a:pPr marL="403732" lvl="1" indent="-251459" algn="just" defTabSz="704085">
+              <a:lnSpc>
+                <a:spcPct val="120000"/>
+              </a:lnSpc>
+              <a:buFont typeface="Arial" pitchFamily="34" charset="0"/>
+              <a:buChar char="•"/>
+            </a:pPr>
+            <a:r>
+              <a:rPr lang="pt-PT" sz="1600" b="0" i="0" dirty="0"/>
+              <a:t>Os alunos que não possuam equipamentos adequados para a realização das provas devem contactar os docentes antecipadamente.</a:t>
+            </a:r>
+          </a:p>
+        </p:txBody>
+      </p:sp>
+    </p:spTree>
+    <p:extLst>
+      <p:ext uri="{BB962C8B-B14F-4D97-AF65-F5344CB8AC3E}">
+        <p14:creationId xmlns:p14="http://schemas.microsoft.com/office/powerpoint/2010/main" val="615824234"/>
+      </p:ext>
+    </p:extLst>
+  </p:cSld>
+  <p:clrMapOvr>
+    <a:masterClrMapping/>
+  </p:clrMapOvr>
+  <p:timing>
+    <p:tnLst>
+      <p:par>
+        <p:cTn id="1" dur="indefinite" restart="never" nodeType="tmRoot">
+          <p:childTnLst>
+            <p:seq concurrent="1" nextAc="seek">
+              <p:cTn id="2" dur="indefinite" nodeType="mainSeq">
+                <p:childTnLst>
+                  <p:par>
+                    <p:cTn id="3" fill="hold">
+                      <p:stCondLst>
+                        <p:cond delay="indefinite"/>
+                        <p:cond evt="onBegin" delay="0">
+                          <p:tn val="2"/>
+                        </p:cond>
+                      </p:stCondLst>
+                      <p:childTnLst>
+                        <p:par>
+                          <p:cTn id="4" fill="hold">
+                            <p:stCondLst>
+                              <p:cond delay="0"/>
+                            </p:stCondLst>
+                            <p:childTnLst>
+                              <p:par>
+                                <p:cTn id="5" presetID="42" presetClass="entr" presetSubtype="0" fill="hold" grpId="0" nodeType="afterEffect">
+                                  <p:stCondLst>
+                                    <p:cond delay="0"/>
+                                  </p:stCondLst>
+                                  <p:childTnLst>
+                                    <p:set>
+                                      <p:cBhvr>
+                                        <p:cTn id="6" dur="1" fill="hold">
+                                          <p:stCondLst>
+                                            <p:cond delay="0"/>
+                                          </p:stCondLst>
+                                        </p:cTn>
+                                        <p:tgtEl>
+                                          <p:spTgt spid="3"/>
+                                        </p:tgtEl>
+                                        <p:attrNameLst>
+                                          <p:attrName>style.visibility</p:attrName>
+                                        </p:attrNameLst>
+                                      </p:cBhvr>
+                                      <p:to>
+                                        <p:strVal val="visible"/>
+                                      </p:to>
+                                    </p:set>
+                                    <p:animEffect transition="in" filter="fade">
+                                      <p:cBhvr>
+                                        <p:cTn id="7" dur="500"/>
+                                        <p:tgtEl>
+                                          <p:spTgt spid="3"/>
+                                        </p:tgtEl>
+                                      </p:cBhvr>
+                                    </p:animEffect>
+                                    <p:anim calcmode="lin" valueType="num">
+                                      <p:cBhvr>
+                                        <p:cTn id="8" dur="500" fill="hold"/>
+                                        <p:tgtEl>
+                                          <p:spTgt spid="3"/>
+                                        </p:tgtEl>
+                                        <p:attrNameLst>
+                                          <p:attrName>ppt_x</p:attrName>
+                                        </p:attrNameLst>
+                                      </p:cBhvr>
+                                      <p:tavLst>
+                                        <p:tav tm="0">
+                                          <p:val>
+                                            <p:strVal val="#ppt_x"/>
+                                          </p:val>
+                                        </p:tav>
+                                        <p:tav tm="100000">
+                                          <p:val>
+                                            <p:strVal val="#ppt_x"/>
+                                          </p:val>
+                                        </p:tav>
+                                      </p:tavLst>
+                                    </p:anim>
+                                    <p:anim calcmode="lin" valueType="num">
+                                      <p:cBhvr>
+                                        <p:cTn id="9" dur="500" fill="hold"/>
+                                        <p:tgtEl>
+                                          <p:spTgt spid="3"/>
+                                        </p:tgtEl>
+                                        <p:attrNameLst>
+                                          <p:attrName>ppt_y</p:attrName>
+                                        </p:attrNameLst>
+                                      </p:cBhvr>
+                                      <p:tavLst>
+                                        <p:tav tm="0">
+                                          <p:val>
+                                            <p:strVal val="#ppt_y+.1"/>
+                                          </p:val>
+                                        </p:tav>
+                                        <p:tav tm="100000">
+                                          <p:val>
+                                            <p:strVal val="#ppt_y"/>
+                                          </p:val>
+                                        </p:tav>
+                                      </p:tavLst>
+                                    </p:anim>
+                                  </p:childTnLst>
+                                </p:cTn>
+                              </p:par>
+                            </p:childTnLst>
+                          </p:cTn>
+                        </p:par>
+                      </p:childTnLst>
+                    </p:cTn>
+                  </p:par>
+                </p:childTnLst>
+              </p:cTn>
+              <p:prevCondLst>
+                <p:cond evt="onPrev" delay="0">
+                  <p:tgtEl>
+                    <p:sldTgt/>
+                  </p:tgtEl>
+                </p:cond>
+              </p:prevCondLst>
+              <p:nextCondLst>
+                <p:cond evt="onNext" delay="0">
+                  <p:tgtEl>
+                    <p:sldTgt/>
+                  </p:tgtEl>
+                </p:cond>
+              </p:nextCondLst>
+            </p:seq>
+          </p:childTnLst>
+        </p:cTn>
+      </p:par>
+    </p:tnLst>
+    <p:bldLst>
+      <p:bldP spid="3" grpId="0"/>
+    </p:bldLst>
+  </p:timing>
+</p:sld>
+</file>
+
 <file path=ppt/slides/slide8.xml><?xml version="1.0" encoding="utf-8"?>
 <p:sld xmlns:a="http://schemas.openxmlformats.org/drawingml/2006/main" xmlns:r="http://schemas.openxmlformats.org/officeDocument/2006/relationships" xmlns:p="http://schemas.openxmlformats.org/presentationml/2006/main">
   <p:cSld>
@@ -13060,7 +12562,7 @@
         <p:spPr bwMode="auto">
           <a:xfrm>
             <a:off x="540000" y="900000"/>
-            <a:ext cx="8233871" cy="3658811"/>
+            <a:ext cx="8233871" cy="3395084"/>
           </a:xfrm>
           <a:prstGeom prst="rect">
             <a:avLst/>
@@ -13089,7 +12591,7 @@
             </a:pPr>
             <a:r>
               <a:rPr lang="pt-PT" sz="2000" b="0" i="0" dirty="0"/>
-              <a:t>Formato e regras das provas escritas:</a:t>
+              <a:t>Modo Projeto:</a:t>
             </a:r>
           </a:p>
           <a:p>
@@ -13102,7 +12604,7 @@
             </a:pPr>
             <a:r>
               <a:rPr lang="pt-PT" sz="1600" b="0" i="0" dirty="0"/>
-              <a:t>É permitida uma folha A4 manuscrita como elemento de consulta individual;</a:t>
+              <a:t>Para alunos com +2 matrículas, trabalhadores/estudantes ou ainda alunos ERASMUS;</a:t>
             </a:r>
           </a:p>
           <a:p>
@@ -13115,26 +12617,7 @@
             </a:pPr>
             <a:r>
               <a:rPr lang="pt-PT" sz="1600" b="0" i="0" dirty="0"/>
-              <a:t>Provas realizadas no Moodle da UTAD (</a:t>
-            </a:r>
-            <a:r>
-              <a:rPr lang="pt-PT" sz="1600" b="0" i="0" dirty="0">
-                <a:solidFill>
-                  <a:schemeClr val="accent2"/>
-                </a:solidFill>
-                <a:hlinkClick r:id="rId3">
-                  <a:extLst>
-                    <a:ext uri="{A12FA001-AC4F-418D-AE19-62706E023703}">
-                      <ahyp:hlinkClr xmlns:ahyp="http://schemas.microsoft.com/office/drawing/2018/hyperlinkcolor" val="tx"/>
-                    </a:ext>
-                  </a:extLst>
-                </a:hlinkClick>
-              </a:rPr>
-              <a:t>http://moodle.utad.pt/</a:t>
-            </a:r>
-            <a:r>
-              <a:rPr lang="pt-PT" sz="1600" b="0" i="0" dirty="0"/>
-              <a:t>), com 2 ou sessões;</a:t>
+              <a:t>Grupo de 2 alunos;</a:t>
             </a:r>
           </a:p>
           <a:p>
@@ -13147,7 +12630,7 @@
             </a:pPr>
             <a:r>
               <a:rPr lang="pt-PT" sz="1600" b="0" i="0" dirty="0"/>
-              <a:t>Duração de 40 minutos, com 5 minutos de tolerância para entra no teste e ter o tempo total;</a:t>
+              <a:t>Pode estar relacionado com a prática profissional;</a:t>
             </a:r>
           </a:p>
           <a:p>
@@ -13160,15 +12643,15 @@
             </a:pPr>
             <a:r>
               <a:rPr lang="pt-PT" sz="1600" b="0" i="0" dirty="0"/>
-              <a:t>20 questões de respostas múltiplas (5 em cada questão cotadas com 100%, 65%, 35%, 0% </a:t>
-            </a:r>
-            <a:r>
-              <a:rPr lang="pt-PT" sz="1600" b="0" i="0"/>
-              <a:t>e -35</a:t>
+              <a:t>Proposta do trabalho deve ser submetida até 1 semana antes da 1ª prova escrita (</a:t>
+            </a:r>
+            <a:r>
+              <a:rPr lang="pt-PT" sz="1600" i="0" dirty="0"/>
+              <a:t>quinta dia 10 de novembro</a:t>
             </a:r>
             <a:r>
               <a:rPr lang="pt-PT" sz="1600" b="0" i="0" dirty="0"/>
-              <a:t>%);</a:t>
+              <a:t>), com 1 ou 2 páginas;</a:t>
             </a:r>
           </a:p>
           <a:p>
@@ -13181,15 +12664,7 @@
             </a:pPr>
             <a:r>
               <a:rPr lang="pt-PT" sz="1600" b="0" i="0" dirty="0"/>
-              <a:t>Realizadas na rede privada da UTAD (</a:t>
-            </a:r>
-            <a:r>
-              <a:rPr lang="pt-PT" sz="1600" b="0" i="0" dirty="0" err="1"/>
-              <a:t>eduroam</a:t>
-            </a:r>
-            <a:r>
-              <a:rPr lang="pt-PT" sz="1600" b="0" i="0" dirty="0"/>
-              <a:t>);</a:t>
+              <a:t>Apresentação de 10/15 minutos nas últimas aulas teóricas;</a:t>
             </a:r>
           </a:p>
           <a:p>
@@ -13202,7 +12677,15 @@
             </a:pPr>
             <a:r>
               <a:rPr lang="pt-PT" sz="1600" b="0" i="0" dirty="0"/>
-              <a:t>Caso exista uma falha generalizada na rede ou plataforma Moodle, a prova será adiada;</a:t>
+              <a:t>Deve incluir pelo menos 4 dos 6 tópicos essenciais (processos, </a:t>
+            </a:r>
+            <a:r>
+              <a:rPr lang="pt-PT" sz="1600" b="0" dirty="0" err="1"/>
+              <a:t>deadlocks</a:t>
+            </a:r>
+            <a:r>
+              <a:rPr lang="pt-PT" sz="1600" b="0" i="0" dirty="0"/>
+              <a:t>, memória, ficheiros, comunicações e dispositivos);</a:t>
             </a:r>
           </a:p>
           <a:p>
@@ -13215,7 +12698,20 @@
             </a:pPr>
             <a:r>
               <a:rPr lang="pt-PT" sz="1600" b="0" i="0" dirty="0"/>
-              <a:t>Os alunos que não possuam equipamentos adequados para a realização das provas devem contactar os docentes antecipadamente.</a:t>
+              <a:t>Poster/Artigo/Relatório;</a:t>
+            </a:r>
+          </a:p>
+          <a:p>
+            <a:pPr marL="403732" lvl="1" indent="-251459" algn="just" defTabSz="704085">
+              <a:lnSpc>
+                <a:spcPct val="120000"/>
+              </a:lnSpc>
+              <a:buFont typeface="Arial" pitchFamily="34" charset="0"/>
+              <a:buChar char="•"/>
+            </a:pPr>
+            <a:r>
+              <a:rPr lang="pt-PT" sz="1600" b="0" i="0" dirty="0"/>
+              <a:t>100% da nota final.</a:t>
             </a:r>
           </a:p>
         </p:txBody>
@@ -13223,7 +12719,7 @@
     </p:spTree>
     <p:extLst>
       <p:ext uri="{BB962C8B-B14F-4D97-AF65-F5344CB8AC3E}">
-        <p14:creationId xmlns:p14="http://schemas.microsoft.com/office/powerpoint/2010/main" val="615824234"/>
+        <p14:creationId xmlns:p14="http://schemas.microsoft.com/office/powerpoint/2010/main" val="1227982416"/>
       </p:ext>
     </p:extLst>
   </p:cSld>
@@ -13443,9 +12939,9 @@
                 </a:solidFill>
                 <a:latin typeface="Arial" charset="0"/>
               </a:rPr>
-              <a:t>Avaliação em Modo Projeto</a:t>
-            </a:r>
-            <a:endParaRPr lang="pt-PT" sz="1400" b="1" i="1" dirty="0">
+              <a:t>Aulas e Programa Previsto</a:t>
+            </a:r>
+            <a:endParaRPr lang="pt-PT" sz="1200" b="1" i="1" dirty="0">
               <a:solidFill>
                 <a:srgbClr val="FF0000"/>
               </a:solidFill>
@@ -13465,7 +12961,7 @@
         <p:spPr bwMode="auto">
           <a:xfrm>
             <a:off x="540000" y="900000"/>
-            <a:ext cx="8233871" cy="3395084"/>
+            <a:ext cx="8233871" cy="4078348"/>
           </a:xfrm>
           <a:prstGeom prst="rect">
             <a:avLst/>
@@ -13494,127 +12990,124 @@
             </a:pPr>
             <a:r>
               <a:rPr lang="pt-PT" sz="2000" b="0" i="0" dirty="0"/>
-              <a:t>Modo Projeto:</a:t>
-            </a:r>
-          </a:p>
-          <a:p>
-            <a:pPr marL="403732" lvl="1" indent="-251459" algn="just" defTabSz="704085">
+              <a:t>Teórica (tópicos essenciais/16 aulas de 1h):</a:t>
+            </a:r>
+          </a:p>
+          <a:p>
+            <a:pPr marL="396746" lvl="1" algn="l" defTabSz="704085">
               <a:lnSpc>
                 <a:spcPct val="120000"/>
               </a:lnSpc>
-              <a:buFont typeface="Arial" pitchFamily="34" charset="0"/>
-              <a:buChar char="•"/>
             </a:pPr>
             <a:r>
-              <a:rPr lang="pt-PT" sz="1600" b="0" i="0" dirty="0"/>
-              <a:t>Para alunos com +2 matrículas, trabalhadores/estudantes ou ainda alunos ERASMUS;</a:t>
-            </a:r>
-          </a:p>
-          <a:p>
-            <a:pPr marL="403732" lvl="1" indent="-251459" algn="just" defTabSz="704085">
+              <a:rPr lang="pt-PT" sz="2000" i="0" dirty="0">
+                <a:solidFill>
+                  <a:srgbClr val="0033CC"/>
+                </a:solidFill>
+              </a:rPr>
+              <a:t>SOP-T0-1APR</a:t>
+            </a:r>
+            <a:endParaRPr lang="pt-PT" sz="1400" i="0" dirty="0">
+              <a:solidFill>
+                <a:srgbClr val="0033CC"/>
+              </a:solidFill>
+            </a:endParaRPr>
+          </a:p>
+          <a:p>
+            <a:pPr marL="554607" lvl="2" algn="just" defTabSz="704085">
               <a:lnSpc>
                 <a:spcPct val="120000"/>
               </a:lnSpc>
-              <a:buFont typeface="Arial" pitchFamily="34" charset="0"/>
-              <a:buChar char="•"/>
             </a:pPr>
             <a:r>
               <a:rPr lang="pt-PT" sz="1600" b="0" i="0" dirty="0"/>
-              <a:t>Grupo de 2 alunos;</a:t>
-            </a:r>
-          </a:p>
-          <a:p>
-            <a:pPr marL="403732" lvl="1" indent="-251459" algn="just" defTabSz="704085">
+              <a:t>Apresentação do método de avaliação, formato e programa da unidade curricular.</a:t>
+            </a:r>
+          </a:p>
+          <a:p>
+            <a:pPr marL="396746" lvl="1" algn="l" defTabSz="704085">
               <a:lnSpc>
                 <a:spcPct val="120000"/>
               </a:lnSpc>
-              <a:buFont typeface="Arial" pitchFamily="34" charset="0"/>
-              <a:buChar char="•"/>
             </a:pPr>
             <a:r>
-              <a:rPr lang="pt-PT" sz="1600" b="0" i="0" dirty="0"/>
-              <a:t>Pode estar relacionado com a prática profissional;</a:t>
-            </a:r>
-          </a:p>
-          <a:p>
-            <a:pPr marL="403732" lvl="1" indent="-251459" algn="just" defTabSz="704085">
+              <a:rPr lang="pt-PT" sz="2000" i="0" strike="sngStrike" dirty="0">
+                <a:solidFill>
+                  <a:srgbClr val="0033CC"/>
+                </a:solidFill>
+              </a:rPr>
+              <a:t>SOP-T0-2ISO</a:t>
+            </a:r>
+          </a:p>
+          <a:p>
+            <a:pPr marL="554607" lvl="2" algn="just" defTabSz="704085">
               <a:lnSpc>
                 <a:spcPct val="120000"/>
               </a:lnSpc>
-              <a:buFont typeface="Arial" pitchFamily="34" charset="0"/>
-              <a:buChar char="•"/>
             </a:pPr>
             <a:r>
               <a:rPr lang="pt-PT" sz="1600" b="0" i="0" dirty="0"/>
-              <a:t>Proposta do trabalho deve ser submetida até 1 semana antes da 1ª prova escrita (</a:t>
-            </a:r>
-            <a:r>
-              <a:rPr lang="pt-PT" sz="1600" i="0" dirty="0"/>
-              <a:t>quinta dia 10 de novembro</a:t>
-            </a:r>
-            <a:r>
-              <a:rPr lang="pt-PT" sz="1600" b="0" i="0" dirty="0"/>
-              <a:t>), com 1 ou 2 páginas;</a:t>
-            </a:r>
-          </a:p>
-          <a:p>
-            <a:pPr marL="403732" lvl="1" indent="-251459" algn="just" defTabSz="704085">
+              <a:t>Apresentar os temas abordados ao longo das aulas teóricas Unidade Curricular, bem com uma introdução aos conceitos essenciais no campo dos sistemas operativos.</a:t>
+            </a:r>
+          </a:p>
+          <a:p>
+            <a:pPr marL="396746" lvl="1" algn="l" defTabSz="704085">
               <a:lnSpc>
                 <a:spcPct val="120000"/>
               </a:lnSpc>
-              <a:buFont typeface="Arial" pitchFamily="34" charset="0"/>
-              <a:buChar char="•"/>
             </a:pPr>
             <a:r>
-              <a:rPr lang="pt-PT" sz="1600" b="0" i="0" dirty="0"/>
-              <a:t>Apresentação de 10/15 minutos nas últimas aulas teóricas;</a:t>
-            </a:r>
-          </a:p>
-          <a:p>
-            <a:pPr marL="403732" lvl="1" indent="-251459" algn="just" defTabSz="704085">
+              <a:rPr lang="pt-PT" sz="2000" i="0" dirty="0">
+                <a:solidFill>
+                  <a:srgbClr val="0033CC"/>
+                </a:solidFill>
+              </a:rPr>
+              <a:t>SOP-T1-1PR1, SOP-T1-1PR2 e SOP-T1-1PR3 </a:t>
+            </a:r>
+          </a:p>
+          <a:p>
+            <a:pPr marL="554607" lvl="2" algn="just" defTabSz="704085">
               <a:lnSpc>
                 <a:spcPct val="120000"/>
               </a:lnSpc>
-              <a:buFont typeface="Arial" pitchFamily="34" charset="0"/>
-              <a:buChar char="•"/>
             </a:pPr>
             <a:r>
               <a:rPr lang="pt-PT" sz="1600" b="0" i="0" dirty="0"/>
-              <a:t>Deve incluir pelo menos 4 dos 6 tópicos essenciais (processos, </a:t>
-            </a:r>
-            <a:r>
-              <a:rPr lang="pt-PT" sz="1600" b="0" dirty="0" err="1"/>
-              <a:t>deadlocks</a:t>
-            </a:r>
-            <a:r>
-              <a:rPr lang="pt-PT" sz="1600" b="0" i="0" dirty="0"/>
-              <a:t>, memória, ficheiros, comunicações e dispositivos);</a:t>
-            </a:r>
-          </a:p>
-          <a:p>
-            <a:pPr marL="403732" lvl="1" indent="-251459" algn="just" defTabSz="704085">
+              <a:t>Processos e Programas: Propriedades, organização, funcionamento e estados; Escalonamento de Processos.</a:t>
+            </a:r>
+          </a:p>
+          <a:p>
+            <a:pPr marL="396746" lvl="1" algn="l" defTabSz="704085">
               <a:lnSpc>
                 <a:spcPct val="120000"/>
               </a:lnSpc>
-              <a:buFont typeface="Arial" pitchFamily="34" charset="0"/>
-              <a:buChar char="•"/>
             </a:pPr>
             <a:r>
-              <a:rPr lang="pt-PT" sz="1600" b="0" i="0" dirty="0"/>
-              <a:t>Poster/Artigo/Relatório;</a:t>
-            </a:r>
-          </a:p>
-          <a:p>
-            <a:pPr marL="403732" lvl="1" indent="-251459" algn="just" defTabSz="704085">
+              <a:rPr lang="pt-PT" sz="2000" i="0" dirty="0">
+                <a:solidFill>
+                  <a:srgbClr val="0033CC"/>
+                </a:solidFill>
+              </a:rPr>
+              <a:t>SOP-T1-2DE1 e SOP-T1-2DE2</a:t>
+            </a:r>
+          </a:p>
+          <a:p>
+            <a:pPr marL="554607" lvl="2" algn="just" defTabSz="704085">
               <a:lnSpc>
                 <a:spcPct val="120000"/>
               </a:lnSpc>
-              <a:buFont typeface="Arial" pitchFamily="34" charset="0"/>
-              <a:buChar char="•"/>
             </a:pPr>
             <a:r>
               <a:rPr lang="pt-PT" sz="1600" b="0" i="0" dirty="0"/>
-              <a:t>100% da nota final.</a:t>
+              <a:t>Secções críticas e </a:t>
+            </a:r>
+            <a:r>
+              <a:rPr lang="pt-PT" sz="1600" b="0" dirty="0" err="1"/>
+              <a:t>deadlocks</a:t>
+            </a:r>
+            <a:r>
+              <a:rPr lang="pt-PT" sz="1600" b="0" i="0" dirty="0"/>
+              <a:t>.</a:t>
             </a:r>
           </a:p>
         </p:txBody>
@@ -13622,7 +13115,7 @@
     </p:spTree>
     <p:extLst>
       <p:ext uri="{BB962C8B-B14F-4D97-AF65-F5344CB8AC3E}">
-        <p14:creationId xmlns:p14="http://schemas.microsoft.com/office/powerpoint/2010/main" val="1227982416"/>
+        <p14:creationId xmlns:p14="http://schemas.microsoft.com/office/powerpoint/2010/main" val="1449977999"/>
       </p:ext>
     </p:extLst>
   </p:cSld>
